--- a/organisation/Endpräsentation/abschlusspraesentation.pptx
+++ b/organisation/Endpräsentation/abschlusspraesentation.pptx
@@ -31,8 +31,6 @@
     <p:sldId id="274" r:id="rId24"/>
     <p:sldId id="275" r:id="rId25"/>
     <p:sldId id="276" r:id="rId26"/>
-    <p:sldId id="277" r:id="rId27"/>
-    <p:sldId id="278" r:id="rId28"/>
   </p:sldIdLst>
   <p:sldSz cx="9144000" cy="6858000"/>
   <p:notesSz cx="6858000" cy="9144000"/>
@@ -208,7 +206,7 @@
           <a:bodyPr lIns="0" rIns="0" tIns="0" bIns="0" anchor="b"/>
           <a:p>
             <a:pPr algn="r"/>
-            <a:fld id="{589C68A2-412A-4B7C-9A42-E1FF95420D04}" type="slidenum">
+            <a:fld id="{F22E7A29-2FFD-4952-8D00-FE7B3447A9D5}" type="slidenum">
               <a:rPr lang="de-DE" sz="1400">
                 <a:latin typeface="Times New Roman"/>
               </a:rPr>
@@ -243,7 +241,7 @@
       </p:grpSpPr>
       <p:sp>
         <p:nvSpPr>
-          <p:cNvPr id="416" name="PlaceHolder 1"/>
+          <p:cNvPr id="388" name="PlaceHolder 1"/>
           <p:cNvSpPr>
             <a:spLocks noGrp="1"/>
           </p:cNvSpPr>
@@ -269,7 +267,7 @@
       </p:sp>
       <p:sp>
         <p:nvSpPr>
-          <p:cNvPr id="417" name="TextShape 2"/>
+          <p:cNvPr id="389" name="TextShape 2"/>
           <p:cNvSpPr txBox="1"/>
           <p:nvPr/>
         </p:nvSpPr>
@@ -294,7 +292,96 @@
                 <a:spcPct val="100000"/>
               </a:lnSpc>
             </a:pPr>
-            <a:fld id="{2D9D0281-4BCD-46BB-B51A-3C2061A2D405}" type="slidenum">
+            <a:fld id="{996AA0CC-3C49-4E75-A5C2-15438528E66D}" type="slidenum">
+              <a:rPr lang="de-DE" sz="1200" strike="noStrike">
+                <a:solidFill>
+                  <a:srgbClr val="000000"/>
+                </a:solidFill>
+                <a:latin typeface="Calibri"/>
+                <a:ea typeface="Calibri"/>
+              </a:rPr>
+              <a:t>&lt;Foliennummer&gt;</a:t>
+            </a:fld>
+            <a:endParaRPr/>
+          </a:p>
+        </p:txBody>
+      </p:sp>
+    </p:spTree>
+  </p:cSld>
+</p:notes>
+</file>
+
+<file path=ppt/notesSlides/notesSlide19.xml><?xml version="1.0" encoding="utf-8"?>
+<p:notes xmlns:a="http://schemas.openxmlformats.org/drawingml/2006/main" xmlns:p="http://schemas.openxmlformats.org/presentationml/2006/main" xmlns:r="http://schemas.openxmlformats.org/officeDocument/2006/relationships">
+  <p:cSld>
+    <p:spTree>
+      <p:nvGrpSpPr>
+        <p:cNvPr id="1" name=""/>
+        <p:cNvGrpSpPr/>
+        <p:nvPr/>
+      </p:nvGrpSpPr>
+      <p:grpSpPr>
+        <a:xfrm>
+          <a:off x="0" y="0"/>
+          <a:ext cx="0" cy="0"/>
+          <a:chOff x="0" y="0"/>
+          <a:chExt cx="0" cy="0"/>
+        </a:xfrm>
+      </p:grpSpPr>
+      <p:sp>
+        <p:nvSpPr>
+          <p:cNvPr id="394" name="PlaceHolder 1"/>
+          <p:cNvSpPr>
+            <a:spLocks noGrp="1"/>
+          </p:cNvSpPr>
+          <p:nvPr>
+            <p:ph type="body"/>
+          </p:nvPr>
+        </p:nvSpPr>
+        <p:spPr>
+          <a:xfrm>
+            <a:off x="685800" y="4343400"/>
+            <a:ext cx="5486040" cy="4114440"/>
+          </a:xfrm>
+          <a:prstGeom prst="rect">
+            <a:avLst/>
+          </a:prstGeom>
+        </p:spPr>
+        <p:txBody>
+          <a:bodyPr/>
+          <a:p>
+            <a:endParaRPr/>
+          </a:p>
+        </p:txBody>
+      </p:sp>
+      <p:sp>
+        <p:nvSpPr>
+          <p:cNvPr id="395" name="TextShape 2"/>
+          <p:cNvSpPr txBox="1"/>
+          <p:nvPr/>
+        </p:nvSpPr>
+        <p:spPr>
+          <a:xfrm>
+            <a:off x="3884760" y="8685360"/>
+            <a:ext cx="2971440" cy="456840"/>
+          </a:xfrm>
+          <a:prstGeom prst="rect">
+            <a:avLst/>
+          </a:prstGeom>
+          <a:noFill/>
+          <a:ln>
+            <a:noFill/>
+          </a:ln>
+        </p:spPr>
+        <p:txBody>
+          <a:bodyPr anchor="b"/>
+          <a:p>
+            <a:pPr algn="r">
+              <a:lnSpc>
+                <a:spcPct val="100000"/>
+              </a:lnSpc>
+            </a:pPr>
+            <a:fld id="{06F089C9-1504-4486-8DFD-C12A40D00326}" type="slidenum">
               <a:rPr lang="de-DE" sz="1200" strike="noStrike">
                 <a:solidFill>
                   <a:srgbClr val="000000"/>
@@ -332,7 +419,7 @@
       </p:grpSpPr>
       <p:sp>
         <p:nvSpPr>
-          <p:cNvPr id="418" name="PlaceHolder 1"/>
+          <p:cNvPr id="390" name="PlaceHolder 1"/>
           <p:cNvSpPr>
             <a:spLocks noGrp="1"/>
           </p:cNvSpPr>
@@ -358,7 +445,7 @@
       </p:sp>
       <p:sp>
         <p:nvSpPr>
-          <p:cNvPr id="419" name="TextShape 2"/>
+          <p:cNvPr id="391" name="TextShape 2"/>
           <p:cNvSpPr txBox="1"/>
           <p:nvPr/>
         </p:nvSpPr>
@@ -383,7 +470,96 @@
                 <a:spcPct val="100000"/>
               </a:lnSpc>
             </a:pPr>
-            <a:fld id="{62BE2F26-61B0-473B-B9F0-34037CDFCDC0}" type="slidenum">
+            <a:fld id="{3FE0F8F0-E008-45B6-8459-606E926ABFA9}" type="slidenum">
+              <a:rPr lang="de-DE" sz="1200" strike="noStrike">
+                <a:solidFill>
+                  <a:srgbClr val="000000"/>
+                </a:solidFill>
+                <a:latin typeface="Calibri"/>
+                <a:ea typeface="Calibri"/>
+              </a:rPr>
+              <a:t>&lt;Foliennummer&gt;</a:t>
+            </a:fld>
+            <a:endParaRPr/>
+          </a:p>
+        </p:txBody>
+      </p:sp>
+    </p:spTree>
+  </p:cSld>
+</p:notes>
+</file>
+
+<file path=ppt/notesSlides/notesSlide20.xml><?xml version="1.0" encoding="utf-8"?>
+<p:notes xmlns:a="http://schemas.openxmlformats.org/drawingml/2006/main" xmlns:p="http://schemas.openxmlformats.org/presentationml/2006/main" xmlns:r="http://schemas.openxmlformats.org/officeDocument/2006/relationships">
+  <p:cSld>
+    <p:spTree>
+      <p:nvGrpSpPr>
+        <p:cNvPr id="1" name=""/>
+        <p:cNvGrpSpPr/>
+        <p:nvPr/>
+      </p:nvGrpSpPr>
+      <p:grpSpPr>
+        <a:xfrm>
+          <a:off x="0" y="0"/>
+          <a:ext cx="0" cy="0"/>
+          <a:chOff x="0" y="0"/>
+          <a:chExt cx="0" cy="0"/>
+        </a:xfrm>
+      </p:grpSpPr>
+      <p:sp>
+        <p:nvSpPr>
+          <p:cNvPr id="396" name="PlaceHolder 1"/>
+          <p:cNvSpPr>
+            <a:spLocks noGrp="1"/>
+          </p:cNvSpPr>
+          <p:nvPr>
+            <p:ph type="body"/>
+          </p:nvPr>
+        </p:nvSpPr>
+        <p:spPr>
+          <a:xfrm>
+            <a:off x="685800" y="4343400"/>
+            <a:ext cx="5486040" cy="4114440"/>
+          </a:xfrm>
+          <a:prstGeom prst="rect">
+            <a:avLst/>
+          </a:prstGeom>
+        </p:spPr>
+        <p:txBody>
+          <a:bodyPr/>
+          <a:p>
+            <a:endParaRPr/>
+          </a:p>
+        </p:txBody>
+      </p:sp>
+      <p:sp>
+        <p:nvSpPr>
+          <p:cNvPr id="397" name="TextShape 2"/>
+          <p:cNvSpPr txBox="1"/>
+          <p:nvPr/>
+        </p:nvSpPr>
+        <p:spPr>
+          <a:xfrm>
+            <a:off x="3884760" y="8685360"/>
+            <a:ext cx="2971440" cy="456840"/>
+          </a:xfrm>
+          <a:prstGeom prst="rect">
+            <a:avLst/>
+          </a:prstGeom>
+          <a:noFill/>
+          <a:ln>
+            <a:noFill/>
+          </a:ln>
+        </p:spPr>
+        <p:txBody>
+          <a:bodyPr anchor="b"/>
+          <a:p>
+            <a:pPr algn="r">
+              <a:lnSpc>
+                <a:spcPct val="100000"/>
+              </a:lnSpc>
+            </a:pPr>
+            <a:fld id="{163C1685-24C8-4BBF-8A78-1BEDFA9B6AFB}" type="slidenum">
               <a:rPr lang="de-DE" sz="1200" strike="noStrike">
                 <a:solidFill>
                   <a:srgbClr val="000000"/>
@@ -421,7 +597,7 @@
       </p:grpSpPr>
       <p:sp>
         <p:nvSpPr>
-          <p:cNvPr id="422" name="PlaceHolder 1"/>
+          <p:cNvPr id="398" name="PlaceHolder 1"/>
           <p:cNvSpPr>
             <a:spLocks noGrp="1"/>
           </p:cNvSpPr>
@@ -447,7 +623,7 @@
       </p:sp>
       <p:sp>
         <p:nvSpPr>
-          <p:cNvPr id="423" name="TextShape 2"/>
+          <p:cNvPr id="399" name="TextShape 2"/>
           <p:cNvSpPr txBox="1"/>
           <p:nvPr/>
         </p:nvSpPr>
@@ -472,185 +648,7 @@
                 <a:spcPct val="100000"/>
               </a:lnSpc>
             </a:pPr>
-            <a:fld id="{E2A090B0-4349-4C14-812D-DEC243F0E8FE}" type="slidenum">
-              <a:rPr lang="de-DE" sz="1200" strike="noStrike">
-                <a:solidFill>
-                  <a:srgbClr val="000000"/>
-                </a:solidFill>
-                <a:latin typeface="Calibri"/>
-                <a:ea typeface="Calibri"/>
-              </a:rPr>
-              <a:t>&lt;Foliennummer&gt;</a:t>
-            </a:fld>
-            <a:endParaRPr/>
-          </a:p>
-        </p:txBody>
-      </p:sp>
-    </p:spTree>
-  </p:cSld>
-</p:notes>
-</file>
-
-<file path=ppt/notesSlides/notesSlide22.xml><?xml version="1.0" encoding="utf-8"?>
-<p:notes xmlns:a="http://schemas.openxmlformats.org/drawingml/2006/main" xmlns:p="http://schemas.openxmlformats.org/presentationml/2006/main" xmlns:r="http://schemas.openxmlformats.org/officeDocument/2006/relationships">
-  <p:cSld>
-    <p:spTree>
-      <p:nvGrpSpPr>
-        <p:cNvPr id="1" name=""/>
-        <p:cNvGrpSpPr/>
-        <p:nvPr/>
-      </p:nvGrpSpPr>
-      <p:grpSpPr>
-        <a:xfrm>
-          <a:off x="0" y="0"/>
-          <a:ext cx="0" cy="0"/>
-          <a:chOff x="0" y="0"/>
-          <a:chExt cx="0" cy="0"/>
-        </a:xfrm>
-      </p:grpSpPr>
-      <p:sp>
-        <p:nvSpPr>
-          <p:cNvPr id="424" name="PlaceHolder 1"/>
-          <p:cNvSpPr>
-            <a:spLocks noGrp="1"/>
-          </p:cNvSpPr>
-          <p:nvPr>
-            <p:ph type="body"/>
-          </p:nvPr>
-        </p:nvSpPr>
-        <p:spPr>
-          <a:xfrm>
-            <a:off x="685800" y="4343400"/>
-            <a:ext cx="5486040" cy="4114440"/>
-          </a:xfrm>
-          <a:prstGeom prst="rect">
-            <a:avLst/>
-          </a:prstGeom>
-        </p:spPr>
-        <p:txBody>
-          <a:bodyPr/>
-          <a:p>
-            <a:endParaRPr/>
-          </a:p>
-        </p:txBody>
-      </p:sp>
-      <p:sp>
-        <p:nvSpPr>
-          <p:cNvPr id="425" name="TextShape 2"/>
-          <p:cNvSpPr txBox="1"/>
-          <p:nvPr/>
-        </p:nvSpPr>
-        <p:spPr>
-          <a:xfrm>
-            <a:off x="3884760" y="8685360"/>
-            <a:ext cx="2971440" cy="456840"/>
-          </a:xfrm>
-          <a:prstGeom prst="rect">
-            <a:avLst/>
-          </a:prstGeom>
-          <a:noFill/>
-          <a:ln>
-            <a:noFill/>
-          </a:ln>
-        </p:spPr>
-        <p:txBody>
-          <a:bodyPr anchor="b"/>
-          <a:p>
-            <a:pPr algn="r">
-              <a:lnSpc>
-                <a:spcPct val="100000"/>
-              </a:lnSpc>
-            </a:pPr>
-            <a:fld id="{A9902523-3263-44BF-A6D5-9626D25E1755}" type="slidenum">
-              <a:rPr lang="de-DE" sz="1200" strike="noStrike">
-                <a:solidFill>
-                  <a:srgbClr val="000000"/>
-                </a:solidFill>
-                <a:latin typeface="Calibri"/>
-                <a:ea typeface="Calibri"/>
-              </a:rPr>
-              <a:t>&lt;Foliennummer&gt;</a:t>
-            </a:fld>
-            <a:endParaRPr/>
-          </a:p>
-        </p:txBody>
-      </p:sp>
-    </p:spTree>
-  </p:cSld>
-</p:notes>
-</file>
-
-<file path=ppt/notesSlides/notesSlide23.xml><?xml version="1.0" encoding="utf-8"?>
-<p:notes xmlns:a="http://schemas.openxmlformats.org/drawingml/2006/main" xmlns:p="http://schemas.openxmlformats.org/presentationml/2006/main" xmlns:r="http://schemas.openxmlformats.org/officeDocument/2006/relationships">
-  <p:cSld>
-    <p:spTree>
-      <p:nvGrpSpPr>
-        <p:cNvPr id="1" name=""/>
-        <p:cNvGrpSpPr/>
-        <p:nvPr/>
-      </p:nvGrpSpPr>
-      <p:grpSpPr>
-        <a:xfrm>
-          <a:off x="0" y="0"/>
-          <a:ext cx="0" cy="0"/>
-          <a:chOff x="0" y="0"/>
-          <a:chExt cx="0" cy="0"/>
-        </a:xfrm>
-      </p:grpSpPr>
-      <p:sp>
-        <p:nvSpPr>
-          <p:cNvPr id="426" name="PlaceHolder 1"/>
-          <p:cNvSpPr>
-            <a:spLocks noGrp="1"/>
-          </p:cNvSpPr>
-          <p:nvPr>
-            <p:ph type="body"/>
-          </p:nvPr>
-        </p:nvSpPr>
-        <p:spPr>
-          <a:xfrm>
-            <a:off x="685800" y="4343400"/>
-            <a:ext cx="5486040" cy="4114440"/>
-          </a:xfrm>
-          <a:prstGeom prst="rect">
-            <a:avLst/>
-          </a:prstGeom>
-        </p:spPr>
-        <p:txBody>
-          <a:bodyPr/>
-          <a:p>
-            <a:endParaRPr/>
-          </a:p>
-        </p:txBody>
-      </p:sp>
-      <p:sp>
-        <p:nvSpPr>
-          <p:cNvPr id="427" name="TextShape 2"/>
-          <p:cNvSpPr txBox="1"/>
-          <p:nvPr/>
-        </p:nvSpPr>
-        <p:spPr>
-          <a:xfrm>
-            <a:off x="3884760" y="8685360"/>
-            <a:ext cx="2971440" cy="456840"/>
-          </a:xfrm>
-          <a:prstGeom prst="rect">
-            <a:avLst/>
-          </a:prstGeom>
-          <a:noFill/>
-          <a:ln>
-            <a:noFill/>
-          </a:ln>
-        </p:spPr>
-        <p:txBody>
-          <a:bodyPr anchor="b"/>
-          <a:p>
-            <a:pPr algn="r">
-              <a:lnSpc>
-                <a:spcPct val="100000"/>
-              </a:lnSpc>
-            </a:pPr>
-            <a:fld id="{76BA641F-C807-4910-BCD2-0827C84D8BF3}" type="slidenum">
+            <a:fld id="{E3C67161-09DC-4A1E-8520-CCE44F16E0EB}" type="slidenum">
               <a:rPr lang="de-DE" sz="1200" strike="noStrike">
                 <a:solidFill>
                   <a:srgbClr val="000000"/>
@@ -688,7 +686,7 @@
       </p:grpSpPr>
       <p:sp>
         <p:nvSpPr>
-          <p:cNvPr id="420" name="PlaceHolder 1"/>
+          <p:cNvPr id="392" name="PlaceHolder 1"/>
           <p:cNvSpPr>
             <a:spLocks noGrp="1"/>
           </p:cNvSpPr>
@@ -714,7 +712,7 @@
       </p:sp>
       <p:sp>
         <p:nvSpPr>
-          <p:cNvPr id="421" name="TextShape 2"/>
+          <p:cNvPr id="393" name="TextShape 2"/>
           <p:cNvSpPr txBox="1"/>
           <p:nvPr/>
         </p:nvSpPr>
@@ -739,7 +737,7 @@
                 <a:spcPct val="100000"/>
               </a:lnSpc>
             </a:pPr>
-            <a:fld id="{ED324F88-D43F-4583-A0D7-0FA2B02605E1}" type="slidenum">
+            <a:fld id="{82D9EBC9-8250-4775-95DD-DB9C49E6F587}" type="slidenum">
               <a:rPr lang="de-DE" sz="1200" strike="noStrike">
                 <a:solidFill>
                   <a:srgbClr val="000000"/>
@@ -4981,7 +4979,7 @@
               </a:rPr>
               <a:t>Folie </a:t>
             </a:r>
-            <a:fld id="{547DD372-79C4-4CDF-8612-6F6367516A39}" type="slidenum">
+            <a:fld id="{A3764A8C-F83E-457A-AF3D-886918CE297A}" type="slidenum">
               <a:rPr lang="de-DE" sz="1200" strike="noStrike">
                 <a:solidFill>
                   <a:srgbClr val="888b96"/>
@@ -5487,7 +5485,7 @@
               </a:rPr>
               <a:t>Folie </a:t>
             </a:r>
-            <a:fld id="{17E2157F-E85E-4582-8ADF-79003A4EDA16}" type="slidenum">
+            <a:fld id="{6C075099-B237-4F83-B8FA-4724D330C255}" type="slidenum">
               <a:rPr lang="de-DE" sz="1200" strike="noStrike">
                 <a:solidFill>
                   <a:srgbClr val="888b96"/>
@@ -5747,6 +5745,24 @@
               <a:lnSpc>
                 <a:spcPct val="100000"/>
               </a:lnSpc>
+            </a:pPr>
+            <a:r>
+              <a:rPr lang="de-DE" sz="2400" strike="noStrike">
+                <a:solidFill>
+                  <a:srgbClr val="808080"/>
+                </a:solidFill>
+                <a:latin typeface="Verdana"/>
+                <a:ea typeface="Verdana"/>
+              </a:rPr>
+              <a:t>Web</a:t>
+            </a:r>
+            <a:endParaRPr/>
+          </a:p>
+          <a:p>
+            <a:pPr>
+              <a:lnSpc>
+                <a:spcPct val="100000"/>
+              </a:lnSpc>
               <a:buFont typeface="Arial"/>
               <a:buChar char="•"/>
             </a:pPr>
@@ -5758,7 +5774,7 @@
                 <a:latin typeface="Verdana"/>
                 <a:ea typeface="Verdana"/>
               </a:rPr>
-              <a:t>Entwurf mithilfe von Magic Draw → UML</a:t>
+              <a:t>Anzeige, Nutzerinteraktion, Filterung</a:t>
             </a:r>
             <a:endParaRPr/>
           </a:p>
@@ -5778,7 +5794,75 @@
                 <a:latin typeface="Verdana"/>
                 <a:ea typeface="Verdana"/>
               </a:rPr>
-              <a:t>MVC</a:t>
+              <a:t>Entwurf mithilfe von Mockups</a:t>
+            </a:r>
+            <a:endParaRPr/>
+          </a:p>
+          <a:p>
+            <a:pPr lvl="1">
+              <a:lnSpc>
+                <a:spcPct val="100000"/>
+              </a:lnSpc>
+              <a:buFont typeface="Noto Sans Symbols"/>
+              <a:buChar char="▪"/>
+            </a:pPr>
+            <a:r>
+              <a:rPr lang="de-DE" strike="noStrike">
+                <a:solidFill>
+                  <a:srgbClr val="0b2a51"/>
+                </a:solidFill>
+                <a:latin typeface="Verdana"/>
+                <a:ea typeface="Verdana"/>
+              </a:rPr>
+              <a:t>funktional</a:t>
+            </a:r>
+            <a:endParaRPr/>
+          </a:p>
+          <a:p>
+            <a:pPr lvl="1">
+              <a:lnSpc>
+                <a:spcPct val="100000"/>
+              </a:lnSpc>
+              <a:buFont typeface="Noto Sans Symbols"/>
+              <a:buChar char="▪"/>
+            </a:pPr>
+            <a:r>
+              <a:rPr lang="de-DE" strike="noStrike">
+                <a:solidFill>
+                  <a:srgbClr val="0b2a51"/>
+                </a:solidFill>
+                <a:latin typeface="Verdana"/>
+                <a:ea typeface="Verdana"/>
+              </a:rPr>
+              <a:t>nutzerfreundlich, optisch ansprechend</a:t>
+            </a:r>
+            <a:endParaRPr/>
+          </a:p>
+          <a:p>
+            <a:pPr lvl="1">
+              <a:lnSpc>
+                <a:spcPct val="100000"/>
+              </a:lnSpc>
+              <a:buFont typeface="Noto Sans Symbols"/>
+              <a:buChar char="▪"/>
+            </a:pPr>
+            <a:endParaRPr/>
+          </a:p>
+          <a:p>
+            <a:pPr>
+              <a:lnSpc>
+                <a:spcPct val="100000"/>
+              </a:lnSpc>
+            </a:pPr>
+            <a:r>
+              <a:rPr lang="de-DE" sz="2400" strike="noStrike">
+                <a:solidFill>
+                  <a:srgbClr val="808080"/>
+                </a:solidFill>
+                <a:latin typeface="Verdana"/>
+                <a:ea typeface="Verdana"/>
+              </a:rPr>
+              <a:t>Datenstruktur</a:t>
             </a:r>
             <a:endParaRPr/>
           </a:p>
@@ -5798,8 +5882,58 @@
                 <a:latin typeface="Verdana"/>
                 <a:ea typeface="Verdana"/>
               </a:rPr>
-              <a:t>4 große Teilkomponenten</a:t>
-            </a:r>
+              <a:t>unabhängig von Datenquelle</a:t>
+            </a:r>
+            <a:endParaRPr/>
+          </a:p>
+          <a:p>
+            <a:pPr>
+              <a:lnSpc>
+                <a:spcPct val="100000"/>
+              </a:lnSpc>
+              <a:buFont typeface="Arial"/>
+              <a:buChar char="•"/>
+            </a:pPr>
+            <a:r>
+              <a:rPr lang="de-DE" sz="2000" strike="noStrike">
+                <a:solidFill>
+                  <a:srgbClr val="0b2a51"/>
+                </a:solidFill>
+                <a:latin typeface="Verdana"/>
+                <a:ea typeface="Verdana"/>
+              </a:rPr>
+              <a:t>wichtig: Datenintegrität! </a:t>
+            </a:r>
+            <a:endParaRPr/>
+          </a:p>
+          <a:p>
+            <a:pPr>
+              <a:lnSpc>
+                <a:spcPct val="100000"/>
+              </a:lnSpc>
+              <a:buFont typeface="Arial"/>
+              <a:buChar char="•"/>
+            </a:pPr>
+            <a:r>
+              <a:rPr lang="de-DE" sz="2000" strike="noStrike">
+                <a:solidFill>
+                  <a:srgbClr val="0b2a51"/>
+                </a:solidFill>
+                <a:latin typeface="Verdana"/>
+                <a:ea typeface="Verdana"/>
+              </a:rPr>
+              <a:t>Zentrales Bindeglied → Controller Fassade</a:t>
+            </a:r>
+            <a:endParaRPr/>
+          </a:p>
+          <a:p>
+            <a:pPr>
+              <a:lnSpc>
+                <a:spcPct val="100000"/>
+              </a:lnSpc>
+              <a:buFont typeface="Arial"/>
+              <a:buChar char="•"/>
+            </a:pPr>
             <a:endParaRPr/>
           </a:p>
         </p:txBody>
@@ -6341,7 +6475,7 @@
               </a:rPr>
               <a:t>Folie </a:t>
             </a:r>
-            <a:fld id="{89B4C3EC-4AAB-4535-A289-D1AA78EC9B1F}" type="slidenum">
+            <a:fld id="{C21657C4-2F18-4539-9109-0127E26E6878}" type="slidenum">
               <a:rPr lang="de-DE" sz="1200" strike="noStrike">
                 <a:solidFill>
                   <a:srgbClr val="888b96"/>
@@ -6449,7 +6583,17 @@
                 <a:latin typeface="Verdana"/>
                 <a:ea typeface="Verdana"/>
               </a:rPr>
-              <a:t>Web</a:t>
+              <a:t>RailML</a:t>
+            </a:r>
+            <a:r>
+              <a:rPr lang="de-DE" sz="2400" strike="noStrike" baseline="30000">
+                <a:solidFill>
+                  <a:srgbClr val="808080"/>
+                </a:solidFill>
+                <a:latin typeface="Verdana"/>
+                <a:ea typeface="Verdana"/>
+              </a:rPr>
+              <a:t>®</a:t>
             </a:r>
             <a:endParaRPr/>
           </a:p>
@@ -6469,7 +6613,7 @@
                 <a:latin typeface="Verdana"/>
                 <a:ea typeface="Verdana"/>
               </a:rPr>
-              <a:t>Interaktion mit dem Nutzer</a:t>
+              <a:t>XML-Format zum Datenaustausch im Schienenverkehr</a:t>
             </a:r>
             <a:endParaRPr/>
           </a:p>
@@ -6489,7 +6633,7 @@
                 <a:latin typeface="Verdana"/>
                 <a:ea typeface="Verdana"/>
               </a:rPr>
-              <a:t>Filterung der angezeigten Daten</a:t>
+              <a:t>Enthält Daten über die Infrastruktur, die Schienenfahrzeuge und den Fahrplan eines Eisenbahnsystems</a:t>
             </a:r>
             <a:endParaRPr/>
           </a:p>
@@ -6509,87 +6653,27 @@
                 <a:latin typeface="Verdana"/>
                 <a:ea typeface="Verdana"/>
               </a:rPr>
-              <a:t>Entwurf mithilfe von Mockups</a:t>
-            </a:r>
-            <a:endParaRPr/>
-          </a:p>
-          <a:p>
-            <a:pPr lvl="1">
-              <a:lnSpc>
-                <a:spcPct val="100000"/>
-              </a:lnSpc>
-              <a:buFont typeface="Noto Sans Symbols"/>
-              <a:buChar char="▪"/>
-            </a:pPr>
-            <a:r>
-              <a:rPr lang="de-DE" strike="noStrike">
+              <a:t>Der RailML-Parser stellt den anderen Programmkomponenten die Daten aus der RailML-Datei bereit</a:t>
+            </a:r>
+            <a:endParaRPr/>
+          </a:p>
+          <a:p>
+            <a:pPr>
+              <a:lnSpc>
+                <a:spcPct val="100000"/>
+              </a:lnSpc>
+              <a:buFont typeface="Arial"/>
+              <a:buChar char="•"/>
+            </a:pPr>
+            <a:r>
+              <a:rPr lang="de-DE" sz="2000" strike="noStrike">
                 <a:solidFill>
                   <a:srgbClr val="0b2a51"/>
                 </a:solidFill>
                 <a:latin typeface="Verdana"/>
                 <a:ea typeface="Verdana"/>
               </a:rPr>
-              <a:t>funktional</a:t>
-            </a:r>
-            <a:endParaRPr/>
-          </a:p>
-          <a:p>
-            <a:pPr lvl="1">
-              <a:lnSpc>
-                <a:spcPct val="100000"/>
-              </a:lnSpc>
-              <a:buFont typeface="Noto Sans Symbols"/>
-              <a:buChar char="▪"/>
-            </a:pPr>
-            <a:r>
-              <a:rPr lang="de-DE" strike="noStrike">
-                <a:solidFill>
-                  <a:srgbClr val="0b2a51"/>
-                </a:solidFill>
-                <a:latin typeface="Verdana"/>
-                <a:ea typeface="Verdana"/>
-              </a:rPr>
-              <a:t>nutzerfreundlich</a:t>
-            </a:r>
-            <a:endParaRPr/>
-          </a:p>
-          <a:p>
-            <a:pPr lvl="1">
-              <a:lnSpc>
-                <a:spcPct val="100000"/>
-              </a:lnSpc>
-              <a:buFont typeface="Noto Sans Symbols"/>
-              <a:buChar char="▪"/>
-            </a:pPr>
-            <a:r>
-              <a:rPr lang="de-DE" strike="noStrike">
-                <a:solidFill>
-                  <a:srgbClr val="0b2a51"/>
-                </a:solidFill>
-                <a:latin typeface="Verdana"/>
-                <a:ea typeface="Verdana"/>
-              </a:rPr>
-              <a:t>optisch ansprechend</a:t>
-            </a:r>
-            <a:endParaRPr/>
-          </a:p>
-          <a:p>
-            <a:pPr>
-              <a:lnSpc>
-                <a:spcPct val="100000"/>
-              </a:lnSpc>
-              <a:buFont typeface="Arial"/>
-              <a:buChar char="•"/>
-            </a:pPr>
-            <a:r>
-              <a:rPr lang="de-DE" sz="2000" strike="noStrike">
-                <a:solidFill>
-                  <a:srgbClr val="0b2a51"/>
-                </a:solidFill>
-                <a:latin typeface="Verdana"/>
-                <a:ea typeface="Verdana"/>
-              </a:rPr>
-              <a:t>Kommuniziert mit Datenstruktur</a:t>
+              <a:t>Vorgehensweise: Trennung von XML-Parser und Datenstruktur → mehr Flexibilität</a:t>
             </a:r>
             <a:endParaRPr/>
           </a:p>
@@ -7132,7 +7216,7 @@
               </a:rPr>
               <a:t>Folie </a:t>
             </a:r>
-            <a:fld id="{EFC4F60A-3EBD-45DC-87D7-50A0BBBEFAF8}" type="slidenum">
+            <a:fld id="{5846A129-4917-437B-8C89-6B3AF712117C}" type="slidenum">
               <a:rPr lang="de-DE" sz="1200" strike="noStrike">
                 <a:solidFill>
                   <a:srgbClr val="888b96"/>
@@ -7240,7 +7324,7 @@
                 <a:latin typeface="Verdana"/>
                 <a:ea typeface="Verdana"/>
               </a:rPr>
-              <a:t>Datenstruktur</a:t>
+              <a:t>Telegramm-Struktur</a:t>
             </a:r>
             <a:endParaRPr/>
           </a:p>
@@ -7260,7 +7344,7 @@
                 <a:latin typeface="Verdana"/>
                 <a:ea typeface="Verdana"/>
               </a:rPr>
-              <a:t>Speichert Daten unabhängig von Datenquelle</a:t>
+              <a:t>Entgegennehmen von Telegrammen + Weiterreichen</a:t>
             </a:r>
             <a:endParaRPr/>
           </a:p>
@@ -7280,7 +7364,7 @@
                 <a:latin typeface="Verdana"/>
                 <a:ea typeface="Verdana"/>
               </a:rPr>
-              <a:t>Wichtig vor allem Datenintegrität</a:t>
+              <a:t>Verschiedene Telegrammarten → Strategy</a:t>
             </a:r>
             <a:endParaRPr/>
           </a:p>
@@ -7300,7 +7384,7 @@
                 <a:latin typeface="Verdana"/>
                 <a:ea typeface="Verdana"/>
               </a:rPr>
-              <a:t>Zentrales Bindeglied → Controller Fassade</a:t>
+              <a:t>Details während Entwurf unbekannt</a:t>
             </a:r>
             <a:endParaRPr/>
           </a:p>
@@ -7843,7 +7927,7 @@
               </a:rPr>
               <a:t>Folie </a:t>
             </a:r>
-            <a:fld id="{06FB23AC-D2BC-4232-B626-D7A860B459D5}" type="slidenum">
+            <a:fld id="{738171C0-C70B-4144-B9F3-CCE78C15B8F6}" type="slidenum">
               <a:rPr lang="de-DE" sz="1200" strike="noStrike">
                 <a:solidFill>
                   <a:srgbClr val="888b96"/>
@@ -7942,26 +8026,38 @@
               <a:lnSpc>
                 <a:spcPct val="100000"/>
               </a:lnSpc>
-            </a:pPr>
-            <a:r>
-              <a:rPr lang="de-DE" sz="2400" strike="noStrike">
-                <a:solidFill>
-                  <a:srgbClr val="808080"/>
+              <a:buFont typeface="Arial"/>
+              <a:buChar char="•"/>
+            </a:pPr>
+            <a:r>
+              <a:rPr lang="de-DE" sz="2000" strike="noStrike">
+                <a:solidFill>
+                  <a:srgbClr val="0b2a51"/>
                 </a:solidFill>
                 <a:latin typeface="Verdana"/>
                 <a:ea typeface="Verdana"/>
               </a:rPr>
-              <a:t>RailML</a:t>
-            </a:r>
-            <a:r>
-              <a:rPr lang="de-DE" sz="2400" strike="noStrike" baseline="30000">
-                <a:solidFill>
-                  <a:srgbClr val="808080"/>
+              <a:t>Java 1.8</a:t>
+            </a:r>
+            <a:endParaRPr/>
+          </a:p>
+          <a:p>
+            <a:pPr>
+              <a:lnSpc>
+                <a:spcPct val="100000"/>
+              </a:lnSpc>
+              <a:buFont typeface="Arial"/>
+              <a:buChar char="•"/>
+            </a:pPr>
+            <a:r>
+              <a:rPr lang="de-DE" sz="2000" strike="noStrike">
+                <a:solidFill>
+                  <a:srgbClr val="0b2a51"/>
                 </a:solidFill>
                 <a:latin typeface="Verdana"/>
                 <a:ea typeface="Verdana"/>
               </a:rPr>
-              <a:t>®</a:t>
+              <a:t>Spring Framework</a:t>
             </a:r>
             <a:endParaRPr/>
           </a:p>
@@ -7970,18 +8066,24 @@
               <a:lnSpc>
                 <a:spcPct val="100000"/>
               </a:lnSpc>
-              <a:buFont typeface="Arial"/>
-              <a:buChar char="•"/>
-            </a:pPr>
-            <a:r>
-              <a:rPr lang="de-DE" sz="2000" strike="noStrike">
-                <a:solidFill>
-                  <a:srgbClr val="0b2a51"/>
+            </a:pPr>
+            <a:endParaRPr/>
+          </a:p>
+          <a:p>
+            <a:pPr>
+              <a:lnSpc>
+                <a:spcPct val="100000"/>
+              </a:lnSpc>
+            </a:pPr>
+            <a:r>
+              <a:rPr lang="de-DE" sz="2400" strike="noStrike">
+                <a:solidFill>
+                  <a:srgbClr val="808080"/>
                 </a:solidFill>
                 <a:latin typeface="Verdana"/>
                 <a:ea typeface="Verdana"/>
               </a:rPr>
-              <a:t>XML-Format zum Datenaustausch im Schienenverkehr</a:t>
+              <a:t>Verlauf</a:t>
             </a:r>
             <a:endParaRPr/>
           </a:p>
@@ -7990,8 +8092,8 @@
               <a:lnSpc>
                 <a:spcPct val="100000"/>
               </a:lnSpc>
-              <a:buFont typeface="Arial"/>
-              <a:buChar char="•"/>
+              <a:buFont typeface="Calibri"/>
+              <a:buAutoNum type="arabicPeriod"/>
             </a:pPr>
             <a:r>
               <a:rPr lang="de-DE" sz="2000" strike="noStrike">
@@ -8001,7 +8103,7 @@
                 <a:latin typeface="Verdana"/>
                 <a:ea typeface="Verdana"/>
               </a:rPr>
-              <a:t>Enthält Daten über die Infrastruktur, die Schienenfahrzeuge und den Fahrplan eines Eisenbahnsystems</a:t>
+              <a:t>Prototyp → nur kleine RailML</a:t>
             </a:r>
             <a:endParaRPr/>
           </a:p>
@@ -8010,8 +8112,8 @@
               <a:lnSpc>
                 <a:spcPct val="100000"/>
               </a:lnSpc>
-              <a:buFont typeface="Arial"/>
-              <a:buChar char="•"/>
+              <a:buFont typeface="Calibri"/>
+              <a:buAutoNum type="arabicPeriod"/>
             </a:pPr>
             <a:r>
               <a:rPr lang="de-DE" sz="2000" strike="noStrike">
@@ -8021,7 +8123,7 @@
                 <a:latin typeface="Verdana"/>
                 <a:ea typeface="Verdana"/>
               </a:rPr>
-              <a:t>Der RailML-Parser stellt den anderen Programmkomponenten die Daten aus der RailML-Datei bereit</a:t>
+              <a:t>große RailML</a:t>
             </a:r>
             <a:endParaRPr/>
           </a:p>
@@ -8030,8 +8132,8 @@
               <a:lnSpc>
                 <a:spcPct val="100000"/>
               </a:lnSpc>
-              <a:buFont typeface="Arial"/>
-              <a:buChar char="•"/>
+              <a:buFont typeface="Calibri"/>
+              <a:buAutoNum type="arabicPeriod"/>
             </a:pPr>
             <a:r>
               <a:rPr lang="de-DE" sz="2000" strike="noStrike">
@@ -8041,7 +8143,47 @@
                 <a:latin typeface="Verdana"/>
                 <a:ea typeface="Verdana"/>
               </a:rPr>
-              <a:t>Vorgehensweise: Trennung von XML-Parser und Datenstruktur → mehr Flexibilität</a:t>
+              <a:t>Telegramme</a:t>
+            </a:r>
+            <a:endParaRPr/>
+          </a:p>
+          <a:p>
+            <a:pPr>
+              <a:lnSpc>
+                <a:spcPct val="100000"/>
+              </a:lnSpc>
+              <a:buFont typeface="Calibri"/>
+              <a:buAutoNum type="arabicPeriod"/>
+            </a:pPr>
+            <a:r>
+              <a:rPr lang="de-DE" sz="2000" strike="noStrike">
+                <a:solidFill>
+                  <a:srgbClr val="0b2a51"/>
+                </a:solidFill>
+                <a:latin typeface="Verdana"/>
+                <a:ea typeface="Verdana"/>
+              </a:rPr>
+              <a:t>Tests im Labor</a:t>
+            </a:r>
+            <a:endParaRPr/>
+          </a:p>
+          <a:p>
+            <a:pPr>
+              <a:lnSpc>
+                <a:spcPct val="100000"/>
+              </a:lnSpc>
+              <a:buFont typeface="Calibri"/>
+              <a:buAutoNum type="arabicPeriod"/>
+            </a:pPr>
+            <a:r>
+              <a:rPr lang="de-DE" sz="2000" strike="noStrike">
+                <a:solidFill>
+                  <a:srgbClr val="0b2a51"/>
+                </a:solidFill>
+                <a:latin typeface="Verdana"/>
+                <a:ea typeface="Verdana"/>
+              </a:rPr>
+              <a:t>Kundenwunsch</a:t>
             </a:r>
             <a:endParaRPr/>
           </a:p>
@@ -8345,7 +8487,7 @@
             </a:avLst>
           </a:prstGeom>
           <a:solidFill>
-            <a:schemeClr val="lt2"/>
+            <a:srgbClr val="6186c5"/>
           </a:solidFill>
           <a:ln w="25560">
             <a:solidFill>
@@ -8584,7 +8726,7 @@
               </a:rPr>
               <a:t>Folie </a:t>
             </a:r>
-            <a:fld id="{C7F85DCB-2C5A-436C-811D-804DB566E2FC}" type="slidenum">
+            <a:fld id="{FF967AAF-17CC-4E24-A238-AE966F2A7990}" type="slidenum">
               <a:rPr lang="de-DE" sz="1200" strike="noStrike">
                 <a:solidFill>
                   <a:srgbClr val="888b96"/>
@@ -8692,7 +8834,7 @@
                 <a:latin typeface="Verdana"/>
                 <a:ea typeface="Verdana"/>
               </a:rPr>
-              <a:t>Telegramm-Struktur</a:t>
+              <a:t>GUI</a:t>
             </a:r>
             <a:endParaRPr/>
           </a:p>
@@ -8712,7 +8854,7 @@
                 <a:latin typeface="Verdana"/>
                 <a:ea typeface="Verdana"/>
               </a:rPr>
-              <a:t>Entgegennehmen von Telegrammen + Weiterreichen</a:t>
+              <a:t>Thymeleaf</a:t>
             </a:r>
             <a:endParaRPr/>
           </a:p>
@@ -8732,7 +8874,7 @@
                 <a:latin typeface="Verdana"/>
                 <a:ea typeface="Verdana"/>
               </a:rPr>
-              <a:t>Verschiedene Telegrammarten → Strategy</a:t>
+              <a:t>Datenweitergabe und Filterung im FisController</a:t>
             </a:r>
             <a:endParaRPr/>
           </a:p>
@@ -8744,16 +8886,74 @@
               <a:buFont typeface="Arial"/>
               <a:buChar char="•"/>
             </a:pPr>
-            <a:r>
-              <a:rPr lang="de-DE" sz="2000" strike="noStrike">
-                <a:solidFill>
-                  <a:srgbClr val="0b2a51"/>
+            <a:endParaRPr/>
+          </a:p>
+          <a:p>
+            <a:pPr>
+              <a:lnSpc>
+                <a:spcPct val="100000"/>
+              </a:lnSpc>
+            </a:pPr>
+            <a:r>
+              <a:rPr lang="de-DE" sz="2400" strike="noStrike">
+                <a:solidFill>
+                  <a:srgbClr val="808080"/>
                 </a:solidFill>
                 <a:latin typeface="Verdana"/>
                 <a:ea typeface="Verdana"/>
               </a:rPr>
-              <a:t>Details während Entwurf unbekannt</a:t>
-            </a:r>
+              <a:t>Datenstruktur</a:t>
+            </a:r>
+            <a:endParaRPr/>
+          </a:p>
+          <a:p>
+            <a:pPr>
+              <a:lnSpc>
+                <a:spcPct val="100000"/>
+              </a:lnSpc>
+              <a:buFont typeface="Arial"/>
+              <a:buChar char="•"/>
+            </a:pPr>
+            <a:r>
+              <a:rPr lang="de-DE" sz="2000" strike="noStrike">
+                <a:solidFill>
+                  <a:srgbClr val="0b2a51"/>
+                </a:solidFill>
+                <a:latin typeface="Verdana"/>
+                <a:ea typeface="Verdana"/>
+              </a:rPr>
+              <a:t>Selbst unabhängig von Spring-Framework</a:t>
+            </a:r>
+            <a:endParaRPr/>
+          </a:p>
+          <a:p>
+            <a:pPr>
+              <a:lnSpc>
+                <a:spcPct val="100000"/>
+              </a:lnSpc>
+              <a:buFont typeface="Arial"/>
+              <a:buChar char="•"/>
+            </a:pPr>
+            <a:r>
+              <a:rPr lang="de-DE" sz="2000" strike="noStrike">
+                <a:solidFill>
+                  <a:srgbClr val="0b2a51"/>
+                </a:solidFill>
+                <a:latin typeface="Verdana"/>
+                <a:ea typeface="Verdana"/>
+              </a:rPr>
+              <a:t>TimetableController wertet Telegram-Objekte aus oder lädt Offline Fahrplan</a:t>
+            </a:r>
+            <a:endParaRPr/>
+          </a:p>
+          <a:p>
+            <a:pPr>
+              <a:lnSpc>
+                <a:spcPct val="100000"/>
+              </a:lnSpc>
+              <a:buFont typeface="Arial"/>
+              <a:buChar char="•"/>
+            </a:pPr>
             <a:endParaRPr/>
           </a:p>
         </p:txBody>
@@ -9056,7 +9256,7 @@
             </a:avLst>
           </a:prstGeom>
           <a:solidFill>
-            <a:schemeClr val="lt2"/>
+            <a:srgbClr val="6186c5"/>
           </a:solidFill>
           <a:ln w="25560">
             <a:solidFill>
@@ -9295,7 +9495,7 @@
               </a:rPr>
               <a:t>Folie </a:t>
             </a:r>
-            <a:fld id="{895AF184-11FA-4AE9-85D8-EAA3C5EC8FDD}" type="slidenum">
+            <a:fld id="{5712E74B-B816-4B7F-90F3-734B0E72F2FF}" type="slidenum">
               <a:rPr lang="de-DE" sz="1200" strike="noStrike">
                 <a:solidFill>
                   <a:srgbClr val="888b96"/>
@@ -9394,6 +9594,44 @@
               <a:lnSpc>
                 <a:spcPct val="100000"/>
               </a:lnSpc>
+            </a:pPr>
+            <a:r>
+              <a:rPr lang="de-DE" sz="2400" strike="noStrike">
+                <a:solidFill>
+                  <a:srgbClr val="808080"/>
+                </a:solidFill>
+                <a:latin typeface="Verdana"/>
+                <a:ea typeface="Verdana"/>
+              </a:rPr>
+              <a:t>RailML</a:t>
+            </a:r>
+            <a:r>
+              <a:rPr lang="de-DE" sz="2400" strike="noStrike" baseline="30000">
+                <a:solidFill>
+                  <a:srgbClr val="808080"/>
+                </a:solidFill>
+                <a:latin typeface="Verdana"/>
+                <a:ea typeface="Verdana"/>
+              </a:rPr>
+              <a:t>®</a:t>
+            </a:r>
+            <a:r>
+              <a:rPr lang="de-DE" sz="2400" strike="noStrike">
+                <a:solidFill>
+                  <a:srgbClr val="808080"/>
+                </a:solidFill>
+                <a:latin typeface="Verdana"/>
+                <a:ea typeface="Verdana"/>
+              </a:rPr>
+              <a:t>-Parser</a:t>
+            </a:r>
+            <a:endParaRPr/>
+          </a:p>
+          <a:p>
+            <a:pPr>
+              <a:lnSpc>
+                <a:spcPct val="100000"/>
+              </a:lnSpc>
               <a:buFont typeface="Arial"/>
               <a:buChar char="•"/>
             </a:pPr>
@@ -9405,8 +9643,16 @@
                 <a:latin typeface="Verdana"/>
                 <a:ea typeface="Verdana"/>
               </a:rPr>
-              <a:t>Java 1.8</a:t>
-            </a:r>
+              <a:t>Implementierung unter Benutzung des Spring Frameworks (Spring OXM) </a:t>
+            </a:r>
+            <a:endParaRPr/>
+          </a:p>
+          <a:p>
+            <a:pPr>
+              <a:lnSpc>
+                <a:spcPct val="100000"/>
+              </a:lnSpc>
+            </a:pPr>
             <a:endParaRPr/>
           </a:p>
           <a:p>
@@ -9425,7 +9671,7 @@
                 <a:latin typeface="Verdana"/>
                 <a:ea typeface="Verdana"/>
               </a:rPr>
-              <a:t>Spring Framework</a:t>
+              <a:t>Laden der ganzen Datei in den Speicher</a:t>
             </a:r>
             <a:endParaRPr/>
           </a:p>
@@ -9442,16 +9688,18 @@
               <a:lnSpc>
                 <a:spcPct val="100000"/>
               </a:lnSpc>
-            </a:pPr>
-            <a:r>
-              <a:rPr lang="de-DE" sz="2400" strike="noStrike">
-                <a:solidFill>
-                  <a:srgbClr val="808080"/>
+              <a:buFont typeface="Arial"/>
+              <a:buChar char="•"/>
+            </a:pPr>
+            <a:r>
+              <a:rPr lang="de-DE" sz="2000" strike="noStrike">
+                <a:solidFill>
+                  <a:srgbClr val="0b2a51"/>
                 </a:solidFill>
                 <a:latin typeface="Verdana"/>
                 <a:ea typeface="Verdana"/>
               </a:rPr>
-              <a:t>Verlauf</a:t>
+              <a:t>Anschließende Verarbeitung in die interne Datenstruktur</a:t>
             </a:r>
             <a:endParaRPr/>
           </a:p>
@@ -9460,99 +9708,7 @@
               <a:lnSpc>
                 <a:spcPct val="100000"/>
               </a:lnSpc>
-              <a:buFont typeface="Calibri"/>
-              <a:buAutoNum type="arabicPeriod"/>
-            </a:pPr>
-            <a:r>
-              <a:rPr lang="de-DE" sz="2000" strike="noStrike">
-                <a:solidFill>
-                  <a:srgbClr val="0b2a51"/>
-                </a:solidFill>
-                <a:latin typeface="Verdana"/>
-                <a:ea typeface="Verdana"/>
-              </a:rPr>
-              <a:t>Prototyp → nur kleine RailML</a:t>
-            </a:r>
-            <a:endParaRPr/>
-          </a:p>
-          <a:p>
-            <a:pPr>
-              <a:lnSpc>
-                <a:spcPct val="100000"/>
-              </a:lnSpc>
-              <a:buFont typeface="Calibri"/>
-              <a:buAutoNum type="arabicPeriod"/>
-            </a:pPr>
-            <a:r>
-              <a:rPr lang="de-DE" sz="2000" strike="noStrike">
-                <a:solidFill>
-                  <a:srgbClr val="0b2a51"/>
-                </a:solidFill>
-                <a:latin typeface="Verdana"/>
-                <a:ea typeface="Verdana"/>
-              </a:rPr>
-              <a:t>große RailML</a:t>
-            </a:r>
-            <a:endParaRPr/>
-          </a:p>
-          <a:p>
-            <a:pPr>
-              <a:lnSpc>
-                <a:spcPct val="100000"/>
-              </a:lnSpc>
-              <a:buFont typeface="Calibri"/>
-              <a:buAutoNum type="arabicPeriod"/>
-            </a:pPr>
-            <a:r>
-              <a:rPr lang="de-DE" sz="2000" strike="noStrike">
-                <a:solidFill>
-                  <a:srgbClr val="0b2a51"/>
-                </a:solidFill>
-                <a:latin typeface="Verdana"/>
-                <a:ea typeface="Verdana"/>
-              </a:rPr>
-              <a:t>Telegramme</a:t>
-            </a:r>
-            <a:endParaRPr/>
-          </a:p>
-          <a:p>
-            <a:pPr>
-              <a:lnSpc>
-                <a:spcPct val="100000"/>
-              </a:lnSpc>
-              <a:buFont typeface="Calibri"/>
-              <a:buAutoNum type="arabicPeriod"/>
-            </a:pPr>
-            <a:r>
-              <a:rPr lang="de-DE" sz="2000" strike="noStrike">
-                <a:solidFill>
-                  <a:srgbClr val="0b2a51"/>
-                </a:solidFill>
-                <a:latin typeface="Verdana"/>
-                <a:ea typeface="Verdana"/>
-              </a:rPr>
-              <a:t>Tests im Labor</a:t>
-            </a:r>
-            <a:endParaRPr/>
-          </a:p>
-          <a:p>
-            <a:pPr>
-              <a:lnSpc>
-                <a:spcPct val="100000"/>
-              </a:lnSpc>
-              <a:buFont typeface="Calibri"/>
-              <a:buAutoNum type="arabicPeriod"/>
-            </a:pPr>
-            <a:r>
-              <a:rPr lang="de-DE" sz="2000" strike="noStrike">
-                <a:solidFill>
-                  <a:srgbClr val="0b2a51"/>
-                </a:solidFill>
-                <a:latin typeface="Verdana"/>
-                <a:ea typeface="Verdana"/>
-              </a:rPr>
-              <a:t>Kundenwunsch</a:t>
-            </a:r>
+            </a:pPr>
             <a:endParaRPr/>
           </a:p>
         </p:txBody>
@@ -10094,7 +10250,7 @@
               </a:rPr>
               <a:t>Folie </a:t>
             </a:r>
-            <a:fld id="{E778B23A-4545-4E19-B087-8F144C733C62}" type="slidenum">
+            <a:fld id="{24D64D89-9480-4CB0-A86F-5C3D463A12C0}" type="slidenum">
               <a:rPr lang="de-DE" sz="1200" strike="noStrike">
                 <a:solidFill>
                   <a:srgbClr val="888b96"/>
@@ -10202,7 +10358,7 @@
                 <a:latin typeface="Verdana"/>
                 <a:ea typeface="Verdana"/>
               </a:rPr>
-              <a:t>GUI</a:t>
+              <a:t>Telegramm-Struktur</a:t>
             </a:r>
             <a:endParaRPr/>
           </a:p>
@@ -10222,7 +10378,7 @@
                 <a:latin typeface="Verdana"/>
                 <a:ea typeface="Verdana"/>
               </a:rPr>
-              <a:t>Thymeleaf</a:t>
+              <a:t>Asynchrones Empfangen</a:t>
             </a:r>
             <a:endParaRPr/>
           </a:p>
@@ -10242,7 +10398,7 @@
                 <a:latin typeface="Verdana"/>
                 <a:ea typeface="Verdana"/>
               </a:rPr>
-              <a:t>Datenweitergabe und Filterung im FisController</a:t>
+              <a:t>Parsen der Byte-Arrays → Little Endian, Spezifikation</a:t>
             </a:r>
             <a:endParaRPr/>
           </a:p>
@@ -10254,23 +10410,15 @@
               <a:buFont typeface="Arial"/>
               <a:buChar char="•"/>
             </a:pPr>
-            <a:endParaRPr/>
-          </a:p>
-          <a:p>
-            <a:pPr>
-              <a:lnSpc>
-                <a:spcPct val="100000"/>
-              </a:lnSpc>
-            </a:pPr>
-            <a:r>
-              <a:rPr lang="de-DE" sz="2400" strike="noStrike">
-                <a:solidFill>
-                  <a:srgbClr val="808080"/>
+            <a:r>
+              <a:rPr lang="de-DE" sz="2000" strike="noStrike">
+                <a:solidFill>
+                  <a:srgbClr val="0b2a51"/>
                 </a:solidFill>
                 <a:latin typeface="Verdana"/>
                 <a:ea typeface="Verdana"/>
               </a:rPr>
-              <a:t>Datenstruktur</a:t>
+              <a:t>Synchrone Verarbeitung</a:t>
             </a:r>
             <a:endParaRPr/>
           </a:p>
@@ -10290,7 +10438,7 @@
                 <a:latin typeface="Verdana"/>
                 <a:ea typeface="Verdana"/>
               </a:rPr>
-              <a:t>Selbst unabhängig von Spring-Framework</a:t>
+              <a:t>Modellierung der Telegram-Datentypen in Java</a:t>
             </a:r>
             <a:endParaRPr/>
           </a:p>
@@ -10310,7 +10458,7 @@
                 <a:latin typeface="Verdana"/>
                 <a:ea typeface="Verdana"/>
               </a:rPr>
-              <a:t>TimetableController wertet Telegram-Objekte aus oder lädt Offline Fahrplan</a:t>
+              <a:t>Übergabe an Datenstruktur durch Events</a:t>
             </a:r>
             <a:endParaRPr/>
           </a:p>
@@ -10319,8 +10467,6 @@
               <a:lnSpc>
                 <a:spcPct val="100000"/>
               </a:lnSpc>
-              <a:buFont typeface="Arial"/>
-              <a:buChar char="•"/>
             </a:pPr>
             <a:endParaRPr/>
           </a:p>
@@ -10863,7 +11009,7 @@
               </a:rPr>
               <a:t>Folie </a:t>
             </a:r>
-            <a:fld id="{71D0CE85-F9EE-4069-BFFD-BE16E8BE9ED0}" type="slidenum">
+            <a:fld id="{43575C94-E310-4CF1-A326-7405C3506EFA}" type="slidenum">
               <a:rPr lang="de-DE" sz="1200" strike="noStrike">
                 <a:solidFill>
                   <a:srgbClr val="888b96"/>
@@ -10971,103 +11117,47 @@
                 <a:latin typeface="Verdana"/>
                 <a:ea typeface="Verdana"/>
               </a:rPr>
-              <a:t>RailML</a:t>
-            </a:r>
-            <a:r>
-              <a:rPr lang="de-DE" sz="2400" strike="noStrike" baseline="30000">
-                <a:solidFill>
-                  <a:srgbClr val="808080"/>
+              <a:t>Kundenwunsch</a:t>
+            </a:r>
+            <a:endParaRPr/>
+          </a:p>
+          <a:p>
+            <a:pPr>
+              <a:lnSpc>
+                <a:spcPct val="100000"/>
+              </a:lnSpc>
+              <a:buFont typeface="Arial"/>
+              <a:buChar char="•"/>
+            </a:pPr>
+            <a:r>
+              <a:rPr lang="de-DE" sz="2000" strike="noStrike">
+                <a:solidFill>
+                  <a:srgbClr val="0b2a51"/>
                 </a:solidFill>
                 <a:latin typeface="Verdana"/>
                 <a:ea typeface="Verdana"/>
               </a:rPr>
-              <a:t>®</a:t>
-            </a:r>
-            <a:r>
-              <a:rPr lang="de-DE" sz="2400" strike="noStrike">
-                <a:solidFill>
-                  <a:srgbClr val="808080"/>
+              <a:t>Karte des Eisenbahnnetzes</a:t>
+            </a:r>
+            <a:endParaRPr/>
+          </a:p>
+          <a:p>
+            <a:pPr>
+              <a:lnSpc>
+                <a:spcPct val="100000"/>
+              </a:lnSpc>
+              <a:buFont typeface="Arial"/>
+              <a:buChar char="•"/>
+            </a:pPr>
+            <a:r>
+              <a:rPr lang="de-DE" sz="2000" strike="noStrike">
+                <a:solidFill>
+                  <a:srgbClr val="0b2a51"/>
                 </a:solidFill>
                 <a:latin typeface="Verdana"/>
                 <a:ea typeface="Verdana"/>
               </a:rPr>
-              <a:t>-Parser</a:t>
-            </a:r>
-            <a:endParaRPr/>
-          </a:p>
-          <a:p>
-            <a:pPr>
-              <a:lnSpc>
-                <a:spcPct val="100000"/>
-              </a:lnSpc>
-              <a:buFont typeface="Arial"/>
-              <a:buChar char="•"/>
-            </a:pPr>
-            <a:r>
-              <a:rPr lang="de-DE" sz="2000" strike="noStrike">
-                <a:solidFill>
-                  <a:srgbClr val="0b2a51"/>
-                </a:solidFill>
-                <a:latin typeface="Verdana"/>
-                <a:ea typeface="Verdana"/>
-              </a:rPr>
-              <a:t>Implementierung unter Benutzung des Spring Frameworks (Spring OXM) </a:t>
-            </a:r>
-            <a:endParaRPr/>
-          </a:p>
-          <a:p>
-            <a:pPr>
-              <a:lnSpc>
-                <a:spcPct val="100000"/>
-              </a:lnSpc>
-            </a:pPr>
-            <a:endParaRPr/>
-          </a:p>
-          <a:p>
-            <a:pPr>
-              <a:lnSpc>
-                <a:spcPct val="100000"/>
-              </a:lnSpc>
-              <a:buFont typeface="Arial"/>
-              <a:buChar char="•"/>
-            </a:pPr>
-            <a:r>
-              <a:rPr lang="de-DE" sz="2000" strike="noStrike">
-                <a:solidFill>
-                  <a:srgbClr val="0b2a51"/>
-                </a:solidFill>
-                <a:latin typeface="Verdana"/>
-                <a:ea typeface="Verdana"/>
-              </a:rPr>
-              <a:t>Laden der ganzen Datei in den Speicher</a:t>
-            </a:r>
-            <a:endParaRPr/>
-          </a:p>
-          <a:p>
-            <a:pPr>
-              <a:lnSpc>
-                <a:spcPct val="100000"/>
-              </a:lnSpc>
-            </a:pPr>
-            <a:endParaRPr/>
-          </a:p>
-          <a:p>
-            <a:pPr>
-              <a:lnSpc>
-                <a:spcPct val="100000"/>
-              </a:lnSpc>
-              <a:buFont typeface="Arial"/>
-              <a:buChar char="•"/>
-            </a:pPr>
-            <a:r>
-              <a:rPr lang="de-DE" sz="2000" strike="noStrike">
-                <a:solidFill>
-                  <a:srgbClr val="0b2a51"/>
-                </a:solidFill>
-                <a:latin typeface="Verdana"/>
-                <a:ea typeface="Verdana"/>
-              </a:rPr>
-              <a:t>Anschließende Verarbeitung in die interne Datenstruktur</a:t>
+              <a:t>Realisiert mithilfe von HTML5/JavaScript (Canvas) </a:t>
             </a:r>
             <a:endParaRPr/>
           </a:p>
@@ -11618,7 +11708,7 @@
               </a:rPr>
               <a:t>Folie </a:t>
             </a:r>
-            <a:fld id="{7B860B0A-A080-45E4-BDB2-93A5824D9079}" type="slidenum">
+            <a:fld id="{F11350BE-DBAD-4445-A8F2-F5F72222DD5B}" type="slidenum">
               <a:rPr lang="de-DE" sz="1200" strike="noStrike">
                 <a:solidFill>
                   <a:srgbClr val="888b96"/>
@@ -11726,7 +11816,7 @@
                 <a:latin typeface="Verdana"/>
                 <a:ea typeface="Verdana"/>
               </a:rPr>
-              <a:t>Telegramm-Struktur</a:t>
+              <a:t>Probleme bei der Implementierung</a:t>
             </a:r>
             <a:endParaRPr/>
           </a:p>
@@ -11746,7 +11836,7 @@
                 <a:latin typeface="Verdana"/>
                 <a:ea typeface="Verdana"/>
               </a:rPr>
-              <a:t>Asynchrones Empfangen</a:t>
+              <a:t>RailML nicht korrekt</a:t>
             </a:r>
             <a:endParaRPr/>
           </a:p>
@@ -11766,7 +11856,7 @@
                 <a:latin typeface="Verdana"/>
                 <a:ea typeface="Verdana"/>
               </a:rPr>
-              <a:t>Parsen der Byte-Arrays → Little Endian, Spezifikation</a:t>
+              <a:t>Telegrammspezifikation</a:t>
             </a:r>
             <a:endParaRPr/>
           </a:p>
@@ -11786,7 +11876,7 @@
                 <a:latin typeface="Verdana"/>
                 <a:ea typeface="Verdana"/>
               </a:rPr>
-              <a:t>Synchrone Verarbeitung</a:t>
+              <a:t>Telegrammteil sehr schwierig zu testen</a:t>
             </a:r>
             <a:endParaRPr/>
           </a:p>
@@ -11795,39 +11885,7 @@
               <a:lnSpc>
                 <a:spcPct val="100000"/>
               </a:lnSpc>
-              <a:buFont typeface="Arial"/>
-              <a:buChar char="•"/>
-            </a:pPr>
-            <a:r>
-              <a:rPr lang="de-DE" sz="2000" strike="noStrike">
-                <a:solidFill>
-                  <a:srgbClr val="0b2a51"/>
-                </a:solidFill>
-                <a:latin typeface="Verdana"/>
-                <a:ea typeface="Verdana"/>
-              </a:rPr>
-              <a:t>Modellierung der Telegram-Datentypen in Java</a:t>
-            </a:r>
-            <a:endParaRPr/>
-          </a:p>
-          <a:p>
-            <a:pPr>
-              <a:lnSpc>
-                <a:spcPct val="100000"/>
-              </a:lnSpc>
-              <a:buFont typeface="Arial"/>
-              <a:buChar char="•"/>
-            </a:pPr>
-            <a:r>
-              <a:rPr lang="de-DE" sz="2000" strike="noStrike">
-                <a:solidFill>
-                  <a:srgbClr val="0b2a51"/>
-                </a:solidFill>
-                <a:latin typeface="Verdana"/>
-                <a:ea typeface="Verdana"/>
-              </a:rPr>
-              <a:t>Übergabe an Datenstruktur durch Events</a:t>
-            </a:r>
+            </a:pPr>
             <a:endParaRPr/>
           </a:p>
           <a:p>
@@ -12377,7 +12435,7 @@
               </a:rPr>
               <a:t>Folie </a:t>
             </a:r>
-            <a:fld id="{924D6C10-20D2-4AE3-9FBF-A32F070B178D}" type="slidenum">
+            <a:fld id="{F5488605-E709-4548-881F-B1F676941AD6}" type="slidenum">
               <a:rPr lang="de-DE" sz="1200" strike="noStrike">
                 <a:solidFill>
                   <a:srgbClr val="888b96"/>
@@ -12476,17 +12534,27 @@
               <a:lnSpc>
                 <a:spcPct val="100000"/>
               </a:lnSpc>
-            </a:pPr>
-            <a:r>
-              <a:rPr lang="de-DE" sz="2400" strike="noStrike">
-                <a:solidFill>
-                  <a:srgbClr val="808080"/>
+              <a:buFont typeface="Arial"/>
+              <a:buChar char="•"/>
+            </a:pPr>
+            <a:r>
+              <a:rPr lang="de-DE" sz="2000" strike="noStrike">
+                <a:solidFill>
+                  <a:srgbClr val="0b2a51"/>
                 </a:solidFill>
                 <a:latin typeface="Verdana"/>
                 <a:ea typeface="Verdana"/>
               </a:rPr>
-              <a:t>Kundenwunsch</a:t>
-            </a:r>
+              <a:t>Aufgabenstellung erfüllt</a:t>
+            </a:r>
+            <a:endParaRPr/>
+          </a:p>
+          <a:p>
+            <a:pPr>
+              <a:lnSpc>
+                <a:spcPct val="100000"/>
+              </a:lnSpc>
+            </a:pPr>
             <a:endParaRPr/>
           </a:p>
           <a:p>
@@ -12505,7 +12573,7 @@
                 <a:latin typeface="Verdana"/>
                 <a:ea typeface="Verdana"/>
               </a:rPr>
-              <a:t>Karte des Eisenbahnnetzes</a:t>
+              <a:t>Enge Rückkopplung mit Kunden</a:t>
             </a:r>
             <a:endParaRPr/>
           </a:p>
@@ -12525,7 +12593,47 @@
                 <a:latin typeface="Verdana"/>
                 <a:ea typeface="Verdana"/>
               </a:rPr>
-              <a:t>Realisiert mithilfe von HTML5/JavaScript (Canvas) </a:t>
+              <a:t>Kommunikation im Team</a:t>
+            </a:r>
+            <a:endParaRPr/>
+          </a:p>
+          <a:p>
+            <a:pPr lvl="1">
+              <a:lnSpc>
+                <a:spcPct val="100000"/>
+              </a:lnSpc>
+              <a:buFont typeface="Noto Sans Symbols"/>
+              <a:buChar char="▪"/>
+            </a:pPr>
+            <a:r>
+              <a:rPr lang="de-DE" strike="noStrike">
+                <a:solidFill>
+                  <a:srgbClr val="0b2a51"/>
+                </a:solidFill>
+                <a:latin typeface="Verdana"/>
+                <a:ea typeface="Verdana"/>
+              </a:rPr>
+              <a:t>Git, GitHub</a:t>
+            </a:r>
+            <a:endParaRPr/>
+          </a:p>
+          <a:p>
+            <a:pPr lvl="1">
+              <a:lnSpc>
+                <a:spcPct val="100000"/>
+              </a:lnSpc>
+              <a:buFont typeface="Noto Sans Symbols"/>
+              <a:buChar char="▪"/>
+            </a:pPr>
+            <a:r>
+              <a:rPr lang="de-DE" strike="noStrike">
+                <a:solidFill>
+                  <a:srgbClr val="0b2a51"/>
+                </a:solidFill>
+                <a:latin typeface="Verdana"/>
+                <a:ea typeface="Verdana"/>
+              </a:rPr>
+              <a:t>Wöchentliche Treffen</a:t>
             </a:r>
             <a:endParaRPr/>
           </a:p>
@@ -12534,7 +12642,59 @@
               <a:lnSpc>
                 <a:spcPct val="100000"/>
               </a:lnSpc>
-            </a:pPr>
+              <a:buFont typeface="Arial"/>
+              <a:buChar char="•"/>
+            </a:pPr>
+            <a:r>
+              <a:rPr lang="de-DE" sz="2000" strike="noStrike">
+                <a:solidFill>
+                  <a:srgbClr val="0b2a51"/>
+                </a:solidFill>
+                <a:latin typeface="Verdana"/>
+                <a:ea typeface="Verdana"/>
+              </a:rPr>
+              <a:t>Frameworks</a:t>
+            </a:r>
+            <a:endParaRPr/>
+          </a:p>
+          <a:p>
+            <a:pPr lvl="1">
+              <a:lnSpc>
+                <a:spcPct val="100000"/>
+              </a:lnSpc>
+              <a:buFont typeface="Noto Sans Symbols"/>
+              <a:buChar char="▪"/>
+            </a:pPr>
+            <a:r>
+              <a:rPr lang="de-DE" strike="noStrike">
+                <a:solidFill>
+                  <a:srgbClr val="0b2a51"/>
+                </a:solidFill>
+                <a:latin typeface="Verdana"/>
+                <a:ea typeface="Verdana"/>
+              </a:rPr>
+              <a:t>Fokussierung</a:t>
+            </a:r>
+            <a:endParaRPr/>
+          </a:p>
+          <a:p>
+            <a:pPr lvl="1">
+              <a:lnSpc>
+                <a:spcPct val="100000"/>
+              </a:lnSpc>
+              <a:buFont typeface="Noto Sans Symbols"/>
+              <a:buChar char="▪"/>
+            </a:pPr>
+            <a:r>
+              <a:rPr lang="de-DE" strike="noStrike">
+                <a:solidFill>
+                  <a:srgbClr val="0b2a51"/>
+                </a:solidFill>
+                <a:latin typeface="Verdana"/>
+                <a:ea typeface="Verdana"/>
+              </a:rPr>
+              <a:t>Hoher Einarbeitungsaufwand</a:t>
+            </a:r>
             <a:endParaRPr/>
           </a:p>
         </p:txBody>
@@ -12917,7 +13077,7 @@
             </a:avLst>
           </a:prstGeom>
           <a:solidFill>
-            <a:schemeClr val="lt2"/>
+            <a:srgbClr val="94a3c3"/>
           </a:solidFill>
           <a:ln w="25560">
             <a:solidFill>
@@ -13076,7 +13236,7 @@
               </a:rPr>
               <a:t>Folie </a:t>
             </a:r>
-            <a:fld id="{C56616E2-5A58-402D-90EC-940F7E28ADFF}" type="slidenum">
+            <a:fld id="{72E77FCE-8D5D-485E-87B7-5E841E00BC59}" type="slidenum">
               <a:rPr lang="de-DE" sz="1200" strike="noStrike">
                 <a:solidFill>
                   <a:srgbClr val="888b96"/>
@@ -13486,7 +13646,7 @@
               </a:rPr>
               <a:t>Folie </a:t>
             </a:r>
-            <a:fld id="{37786B34-3B31-45EF-BDD5-EE56D2B4C516}" type="slidenum">
+            <a:fld id="{FAECF44A-AA7E-496F-9C9B-CC01302DE2A7}" type="slidenum">
               <a:rPr lang="de-DE" sz="1200" strike="noStrike">
                 <a:solidFill>
                   <a:srgbClr val="888b96"/>
@@ -13567,8 +13727,8 @@
         </p:nvSpPr>
         <p:spPr>
           <a:xfrm>
-            <a:off x="947880" y="2134800"/>
-            <a:ext cx="7440120" cy="4065120"/>
+            <a:off x="947880" y="2857680"/>
+            <a:ext cx="7430760" cy="1142640"/>
           </a:xfrm>
           <a:prstGeom prst="rect">
             <a:avLst/>
@@ -13579,7 +13739,7 @@
           </a:ln>
         </p:spPr>
         <p:txBody>
-          <a:bodyPr/>
+          <a:bodyPr anchor="ctr"/>
           <a:p>
             <a:pPr>
               <a:lnSpc>
@@ -13587,167 +13747,15 @@
               </a:lnSpc>
             </a:pPr>
             <a:r>
-              <a:rPr lang="de-DE" sz="2400" strike="noStrike">
+              <a:rPr b="1" lang="de-DE" sz="2400" strike="noStrike">
                 <a:solidFill>
                   <a:srgbClr val="808080"/>
                 </a:solidFill>
                 <a:latin typeface="Verdana"/>
                 <a:ea typeface="Verdana"/>
               </a:rPr>
-              <a:t>Probleme bei der Implementierung</a:t>
-            </a:r>
-            <a:endParaRPr/>
-          </a:p>
-          <a:p>
-            <a:pPr>
-              <a:lnSpc>
-                <a:spcPct val="100000"/>
-              </a:lnSpc>
-              <a:buFont typeface="Arial"/>
-              <a:buChar char="•"/>
-            </a:pPr>
-            <a:r>
-              <a:rPr lang="de-DE" sz="2000" strike="noStrike">
-                <a:solidFill>
-                  <a:srgbClr val="0b2a51"/>
-                </a:solidFill>
-                <a:latin typeface="Verdana"/>
-                <a:ea typeface="Verdana"/>
-              </a:rPr>
-              <a:t>RailML nicht korrekt</a:t>
-            </a:r>
-            <a:endParaRPr/>
-          </a:p>
-          <a:p>
-            <a:pPr>
-              <a:lnSpc>
-                <a:spcPct val="100000"/>
-              </a:lnSpc>
-              <a:buFont typeface="Arial"/>
-              <a:buChar char="•"/>
-            </a:pPr>
-            <a:r>
-              <a:rPr lang="de-DE" sz="2000" strike="noStrike">
-                <a:solidFill>
-                  <a:srgbClr val="0b2a51"/>
-                </a:solidFill>
-                <a:latin typeface="Verdana"/>
-                <a:ea typeface="Verdana"/>
-              </a:rPr>
-              <a:t>Telegrammspezifikation</a:t>
-            </a:r>
-            <a:endParaRPr/>
-          </a:p>
-          <a:p>
-            <a:pPr>
-              <a:lnSpc>
-                <a:spcPct val="100000"/>
-              </a:lnSpc>
-              <a:buFont typeface="Arial"/>
-              <a:buChar char="•"/>
-            </a:pPr>
-            <a:r>
-              <a:rPr lang="de-DE" sz="2000" strike="noStrike">
-                <a:solidFill>
-                  <a:srgbClr val="0b2a51"/>
-                </a:solidFill>
-                <a:latin typeface="Verdana"/>
-                <a:ea typeface="Verdana"/>
-              </a:rPr>
-              <a:t>Telegrammteil sehr schwierig zu testen</a:t>
-            </a:r>
-            <a:endParaRPr/>
-          </a:p>
-          <a:p>
-            <a:pPr>
-              <a:lnSpc>
-                <a:spcPct val="100000"/>
-              </a:lnSpc>
-            </a:pPr>
-            <a:r>
-              <a:rPr lang="de-DE" strike="noStrike">
-                <a:solidFill>
-                  <a:srgbClr val="0b2a51"/>
-                </a:solidFill>
-                <a:latin typeface="Verdana"/>
-                <a:ea typeface="Verdana"/>
-              </a:rPr>
-              <a:t>	</a:t>
-            </a:r>
-            <a:r>
-              <a:rPr lang="de-DE" strike="noStrike">
-                <a:solidFill>
-                  <a:srgbClr val="0b2a51"/>
-                </a:solidFill>
-                <a:latin typeface="Verdana"/>
-                <a:ea typeface="Verdana"/>
-              </a:rPr>
-              <a:t>→ </a:t>
-            </a:r>
-            <a:r>
-              <a:rPr lang="de-DE" strike="noStrike">
-                <a:solidFill>
-                  <a:srgbClr val="0b2a51"/>
-                </a:solidFill>
-                <a:latin typeface="Verdana"/>
-                <a:ea typeface="Verdana"/>
-              </a:rPr>
-              <a:t>integration tests kaum möglich</a:t>
-            </a:r>
-            <a:endParaRPr/>
-          </a:p>
-          <a:p>
-            <a:pPr>
-              <a:lnSpc>
-                <a:spcPct val="100000"/>
-              </a:lnSpc>
-            </a:pPr>
-            <a:r>
-              <a:rPr lang="de-DE" strike="noStrike">
-                <a:solidFill>
-                  <a:srgbClr val="0b2a51"/>
-                </a:solidFill>
-                <a:latin typeface="Verdana"/>
-                <a:ea typeface="Verdana"/>
-              </a:rPr>
-              <a:t>	</a:t>
-            </a:r>
-            <a:r>
-              <a:rPr lang="de-DE" strike="noStrike">
-                <a:solidFill>
-                  <a:srgbClr val="0b2a51"/>
-                </a:solidFill>
-                <a:latin typeface="Verdana"/>
-                <a:ea typeface="Verdana"/>
-              </a:rPr>
-              <a:t>→ </a:t>
-            </a:r>
-            <a:r>
-              <a:rPr lang="de-DE" strike="noStrike">
-                <a:solidFill>
-                  <a:srgbClr val="0b2a51"/>
-                </a:solidFill>
-                <a:latin typeface="Verdana"/>
-                <a:ea typeface="Verdana"/>
-              </a:rPr>
-              <a:t>Testen nur im Eisenbahnbetriebslabor</a:t>
-            </a:r>
-            <a:endParaRPr/>
-          </a:p>
-          <a:p>
-            <a:pPr>
-              <a:lnSpc>
-                <a:spcPct val="100000"/>
-              </a:lnSpc>
-            </a:pPr>
-            <a:endParaRPr/>
-          </a:p>
-          <a:p>
-            <a:pPr>
-              <a:lnSpc>
-                <a:spcPct val="100000"/>
-              </a:lnSpc>
-            </a:pPr>
+              <a:t>6  Demonstration der Anwendung</a:t>
+            </a:r>
             <a:endParaRPr/>
           </a:p>
         </p:txBody>
@@ -13760,8 +13768,8 @@
         </p:nvSpPr>
         <p:spPr>
           <a:xfrm>
-            <a:off x="976320" y="6356520"/>
-            <a:ext cx="1709640" cy="364680"/>
+            <a:off x="947880" y="6356520"/>
+            <a:ext cx="1738080" cy="364680"/>
           </a:xfrm>
           <a:prstGeom prst="rect">
             <a:avLst/>
@@ -13795,47 +13803,14 @@
       </p:sp>
       <p:sp>
         <p:nvSpPr>
-          <p:cNvPr id="381" name="CustomShape 3"/>
-          <p:cNvSpPr/>
-          <p:nvPr/>
-        </p:nvSpPr>
-        <p:spPr>
-          <a:xfrm>
-            <a:off x="949680" y="1261440"/>
-            <a:ext cx="1616400" cy="646560"/>
-          </a:xfrm>
-          <a:prstGeom prst="chevron">
-            <a:avLst>
-              <a:gd name="adj" fmla="val 21600"/>
-            </a:avLst>
-          </a:prstGeom>
-          <a:solidFill>
-            <a:srgbClr val="005093"/>
-          </a:solidFill>
-          <a:ln w="25560">
-            <a:solidFill>
-              <a:schemeClr val="lt1"/>
-            </a:solidFill>
-            <a:round/>
-          </a:ln>
-        </p:spPr>
-        <p:style>
-          <a:lnRef idx="0"/>
-          <a:fillRef idx="0"/>
-          <a:effectRef idx="0"/>
-          <a:fontRef idx="minor"/>
-        </p:style>
-      </p:sp>
-      <p:sp>
-        <p:nvSpPr>
-          <p:cNvPr id="382" name="CustomShape 4"/>
-          <p:cNvSpPr/>
-          <p:nvPr/>
-        </p:nvSpPr>
-        <p:spPr>
-          <a:xfrm>
-            <a:off x="1272960" y="1261440"/>
-            <a:ext cx="969840" cy="646560"/>
+          <p:cNvPr id="381" name="TextShape 3"/>
+          <p:cNvSpPr txBox="1"/>
+          <p:nvPr/>
+        </p:nvSpPr>
+        <p:spPr>
+          <a:xfrm>
+            <a:off x="3029040" y="6356520"/>
+            <a:ext cx="3085560" cy="364680"/>
           </a:xfrm>
           <a:prstGeom prst="rect">
             <a:avLst/>
@@ -13845,77 +13820,56 @@
             <a:noFill/>
           </a:ln>
         </p:spPr>
-        <p:style>
-          <a:lnRef idx="0"/>
-          <a:fillRef idx="0"/>
-          <a:effectRef idx="0"/>
-          <a:fontRef idx="minor"/>
-        </p:style>
-        <p:txBody>
-          <a:bodyPr lIns="60120" rIns="20160" tIns="20160" bIns="20160" anchor="ctr"/>
+        <p:txBody>
+          <a:bodyPr anchor="ctr"/>
           <a:p>
             <a:pPr algn="ctr">
               <a:lnSpc>
-                <a:spcPct val="90000"/>
-              </a:lnSpc>
-            </a:pPr>
-            <a:r>
-              <a:rPr b="1" lang="de-DE" sz="1500" strike="noStrike">
-                <a:solidFill>
-                  <a:srgbClr val="ffffff"/>
-                </a:solidFill>
-                <a:latin typeface="Calibri"/>
-                <a:ea typeface="Calibri"/>
-              </a:rPr>
-              <a:t>Ziel-stellung</a:t>
-            </a:r>
-            <a:endParaRPr/>
-          </a:p>
-        </p:txBody>
-      </p:sp>
-      <p:sp>
-        <p:nvSpPr>
-          <p:cNvPr id="383" name="CustomShape 5"/>
-          <p:cNvSpPr/>
-          <p:nvPr/>
-        </p:nvSpPr>
-        <p:spPr>
-          <a:xfrm>
-            <a:off x="2404800" y="1261440"/>
-            <a:ext cx="1616400" cy="646560"/>
-          </a:xfrm>
-          <a:prstGeom prst="chevron">
-            <a:avLst>
-              <a:gd name="adj" fmla="val 21600"/>
-            </a:avLst>
-          </a:prstGeom>
-          <a:solidFill>
-            <a:srgbClr val="115fb2"/>
-          </a:solidFill>
-          <a:ln w="25560">
-            <a:solidFill>
-              <a:schemeClr val="lt1"/>
-            </a:solidFill>
-            <a:round/>
-          </a:ln>
-        </p:spPr>
-        <p:style>
-          <a:lnRef idx="0"/>
-          <a:fillRef idx="0"/>
-          <a:effectRef idx="0"/>
-          <a:fontRef idx="minor"/>
-        </p:style>
-      </p:sp>
-      <p:sp>
-        <p:nvSpPr>
-          <p:cNvPr id="384" name="CustomShape 6"/>
-          <p:cNvSpPr/>
-          <p:nvPr/>
-        </p:nvSpPr>
-        <p:spPr>
-          <a:xfrm>
-            <a:off x="2728080" y="1261440"/>
-            <a:ext cx="969840" cy="646560"/>
+                <a:spcPct val="100000"/>
+              </a:lnSpc>
+            </a:pPr>
+            <a:r>
+              <a:rPr lang="de-DE" sz="1200" strike="noStrike">
+                <a:solidFill>
+                  <a:srgbClr val="888b96"/>
+                </a:solidFill>
+                <a:latin typeface="Calibri"/>
+                <a:ea typeface="Calibri"/>
+              </a:rPr>
+              <a:t>Abschlusspräsentation SWT-Projekt</a:t>
+            </a:r>
+            <a:endParaRPr/>
+          </a:p>
+          <a:p>
+            <a:pPr algn="ctr">
+              <a:lnSpc>
+                <a:spcPct val="100000"/>
+              </a:lnSpc>
+            </a:pPr>
+            <a:r>
+              <a:rPr lang="de-DE" sz="1200" strike="noStrike">
+                <a:solidFill>
+                  <a:srgbClr val="888b96"/>
+                </a:solidFill>
+                <a:latin typeface="Calibri"/>
+                <a:ea typeface="Calibri"/>
+              </a:rPr>
+              <a:t>Gruppe 3: Fahrgastinformationssystem</a:t>
+            </a:r>
+            <a:endParaRPr/>
+          </a:p>
+        </p:txBody>
+      </p:sp>
+      <p:sp>
+        <p:nvSpPr>
+          <p:cNvPr id="382" name="TextShape 4"/>
+          <p:cNvSpPr txBox="1"/>
+          <p:nvPr/>
+        </p:nvSpPr>
+        <p:spPr>
+          <a:xfrm>
+            <a:off x="6458040" y="6356520"/>
+            <a:ext cx="1929960" cy="364680"/>
           </a:xfrm>
           <a:prstGeom prst="rect">
             <a:avLst/>
@@ -13925,297 +13879,10 @@
             <a:noFill/>
           </a:ln>
         </p:spPr>
-        <p:style>
-          <a:lnRef idx="0"/>
-          <a:fillRef idx="0"/>
-          <a:effectRef idx="0"/>
-          <a:fontRef idx="minor"/>
-        </p:style>
-        <p:txBody>
-          <a:bodyPr lIns="60120" rIns="20160" tIns="20160" bIns="20160" anchor="ctr"/>
-          <a:p>
-            <a:pPr algn="ctr">
-              <a:lnSpc>
-                <a:spcPct val="90000"/>
-              </a:lnSpc>
-            </a:pPr>
-            <a:r>
-              <a:rPr b="1" lang="de-DE" sz="1500" strike="noStrike">
-                <a:solidFill>
-                  <a:srgbClr val="ffffff"/>
-                </a:solidFill>
-                <a:latin typeface="Calibri"/>
-                <a:ea typeface="Calibri"/>
-              </a:rPr>
-              <a:t>OO Analyse</a:t>
-            </a:r>
-            <a:endParaRPr/>
-          </a:p>
-        </p:txBody>
-      </p:sp>
-      <p:sp>
-        <p:nvSpPr>
-          <p:cNvPr id="385" name="CustomShape 7"/>
-          <p:cNvSpPr/>
-          <p:nvPr/>
-        </p:nvSpPr>
-        <p:spPr>
-          <a:xfrm>
-            <a:off x="3859920" y="1261440"/>
-            <a:ext cx="1616400" cy="646560"/>
-          </a:xfrm>
-          <a:prstGeom prst="chevron">
-            <a:avLst>
-              <a:gd name="adj" fmla="val 21600"/>
-            </a:avLst>
-          </a:prstGeom>
-          <a:solidFill>
-            <a:srgbClr val="2b6ec9"/>
-          </a:solidFill>
-          <a:ln w="25560">
-            <a:solidFill>
-              <a:schemeClr val="lt1"/>
-            </a:solidFill>
-            <a:round/>
-          </a:ln>
-        </p:spPr>
-        <p:style>
-          <a:lnRef idx="0"/>
-          <a:fillRef idx="0"/>
-          <a:effectRef idx="0"/>
-          <a:fontRef idx="minor"/>
-        </p:style>
-      </p:sp>
-      <p:sp>
-        <p:nvSpPr>
-          <p:cNvPr id="386" name="CustomShape 8"/>
-          <p:cNvSpPr/>
-          <p:nvPr/>
-        </p:nvSpPr>
-        <p:spPr>
-          <a:xfrm>
-            <a:off x="4183200" y="1261440"/>
-            <a:ext cx="969840" cy="646560"/>
-          </a:xfrm>
-          <a:prstGeom prst="rect">
-            <a:avLst/>
-          </a:prstGeom>
-          <a:noFill/>
-          <a:ln>
-            <a:noFill/>
-          </a:ln>
-        </p:spPr>
-        <p:style>
-          <a:lnRef idx="0"/>
-          <a:fillRef idx="0"/>
-          <a:effectRef idx="0"/>
-          <a:fontRef idx="minor"/>
-        </p:style>
-        <p:txBody>
-          <a:bodyPr lIns="60120" rIns="20160" tIns="20160" bIns="20160" anchor="ctr"/>
-          <a:p>
-            <a:pPr algn="ctr">
-              <a:lnSpc>
-                <a:spcPct val="90000"/>
-              </a:lnSpc>
-            </a:pPr>
-            <a:r>
-              <a:rPr b="1" lang="de-DE" sz="1500" strike="noStrike">
-                <a:solidFill>
-                  <a:srgbClr val="ffffff"/>
-                </a:solidFill>
-                <a:latin typeface="Calibri"/>
-                <a:ea typeface="Calibri"/>
-              </a:rPr>
-              <a:t>OO Entwurf</a:t>
-            </a:r>
-            <a:endParaRPr/>
-          </a:p>
-        </p:txBody>
-      </p:sp>
-      <p:sp>
-        <p:nvSpPr>
-          <p:cNvPr id="387" name="CustomShape 9"/>
-          <p:cNvSpPr/>
-          <p:nvPr/>
-        </p:nvSpPr>
-        <p:spPr>
-          <a:xfrm>
-            <a:off x="5315040" y="1261440"/>
-            <a:ext cx="1616400" cy="646560"/>
-          </a:xfrm>
-          <a:prstGeom prst="chevron">
-            <a:avLst>
-              <a:gd name="adj" fmla="val 21600"/>
-            </a:avLst>
-          </a:prstGeom>
-          <a:solidFill>
-            <a:srgbClr val="6186c5"/>
-          </a:solidFill>
-          <a:ln w="25560">
-            <a:solidFill>
-              <a:schemeClr val="lt1"/>
-            </a:solidFill>
-            <a:round/>
-          </a:ln>
-        </p:spPr>
-        <p:style>
-          <a:lnRef idx="0"/>
-          <a:fillRef idx="0"/>
-          <a:effectRef idx="0"/>
-          <a:fontRef idx="minor"/>
-        </p:style>
-      </p:sp>
-      <p:sp>
-        <p:nvSpPr>
-          <p:cNvPr id="388" name="CustomShape 10"/>
-          <p:cNvSpPr/>
-          <p:nvPr/>
-        </p:nvSpPr>
-        <p:spPr>
-          <a:xfrm>
-            <a:off x="5638320" y="1261440"/>
-            <a:ext cx="969840" cy="646560"/>
-          </a:xfrm>
-          <a:prstGeom prst="rect">
-            <a:avLst/>
-          </a:prstGeom>
-          <a:noFill/>
-          <a:ln>
-            <a:noFill/>
-          </a:ln>
-        </p:spPr>
-        <p:style>
-          <a:lnRef idx="0"/>
-          <a:fillRef idx="0"/>
-          <a:effectRef idx="0"/>
-          <a:fontRef idx="minor"/>
-        </p:style>
-        <p:txBody>
-          <a:bodyPr lIns="60120" rIns="20160" tIns="20160" bIns="20160" anchor="ctr"/>
-          <a:p>
-            <a:pPr algn="ctr">
-              <a:lnSpc>
-                <a:spcPct val="90000"/>
-              </a:lnSpc>
-            </a:pPr>
-            <a:r>
-              <a:rPr b="1" lang="de-DE" sz="1500" strike="noStrike">
-                <a:solidFill>
-                  <a:srgbClr val="ffffff"/>
-                </a:solidFill>
-                <a:latin typeface="Calibri"/>
-                <a:ea typeface="Calibri"/>
-              </a:rPr>
-              <a:t>Implemen-tierung</a:t>
-            </a:r>
-            <a:endParaRPr/>
-          </a:p>
-        </p:txBody>
-      </p:sp>
-      <p:sp>
-        <p:nvSpPr>
-          <p:cNvPr id="389" name="CustomShape 11"/>
-          <p:cNvSpPr/>
-          <p:nvPr/>
-        </p:nvSpPr>
-        <p:spPr>
-          <a:xfrm>
-            <a:off x="6770160" y="1261440"/>
-            <a:ext cx="1616400" cy="646560"/>
-          </a:xfrm>
-          <a:prstGeom prst="chevron">
-            <a:avLst>
-              <a:gd name="adj" fmla="val 21600"/>
-            </a:avLst>
-          </a:prstGeom>
-          <a:solidFill>
-            <a:schemeClr val="lt2"/>
-          </a:solidFill>
-          <a:ln w="25560">
-            <a:solidFill>
-              <a:schemeClr val="lt1"/>
-            </a:solidFill>
-            <a:round/>
-          </a:ln>
-        </p:spPr>
-        <p:style>
-          <a:lnRef idx="0"/>
-          <a:fillRef idx="0"/>
-          <a:effectRef idx="0"/>
-          <a:fontRef idx="minor"/>
-        </p:style>
-      </p:sp>
-      <p:sp>
-        <p:nvSpPr>
-          <p:cNvPr id="390" name="CustomShape 12"/>
-          <p:cNvSpPr/>
-          <p:nvPr/>
-        </p:nvSpPr>
-        <p:spPr>
-          <a:xfrm>
-            <a:off x="7093800" y="1261440"/>
-            <a:ext cx="969840" cy="646560"/>
-          </a:xfrm>
-          <a:prstGeom prst="rect">
-            <a:avLst/>
-          </a:prstGeom>
-          <a:noFill/>
-          <a:ln>
-            <a:noFill/>
-          </a:ln>
-        </p:spPr>
-        <p:style>
-          <a:lnRef idx="0"/>
-          <a:fillRef idx="0"/>
-          <a:effectRef idx="0"/>
-          <a:fontRef idx="minor"/>
-        </p:style>
-        <p:txBody>
-          <a:bodyPr lIns="60120" rIns="20160" tIns="20160" bIns="20160" anchor="ctr"/>
-          <a:p>
-            <a:pPr algn="ctr">
-              <a:lnSpc>
-                <a:spcPct val="90000"/>
-              </a:lnSpc>
-            </a:pPr>
-            <a:r>
-              <a:rPr b="1" lang="de-DE" sz="1500" strike="noStrike">
-                <a:solidFill>
-                  <a:srgbClr val="ffffff"/>
-                </a:solidFill>
-                <a:latin typeface="Calibri"/>
-                <a:ea typeface="Calibri"/>
-              </a:rPr>
-              <a:t>Rückblick</a:t>
-            </a:r>
-            <a:endParaRPr/>
-          </a:p>
-        </p:txBody>
-      </p:sp>
-      <p:sp>
-        <p:nvSpPr>
-          <p:cNvPr id="391" name="TextShape 13"/>
-          <p:cNvSpPr txBox="1"/>
-          <p:nvPr/>
-        </p:nvSpPr>
-        <p:spPr>
-          <a:xfrm>
-            <a:off x="3029040" y="6356520"/>
-            <a:ext cx="3085560" cy="364680"/>
-          </a:xfrm>
-          <a:prstGeom prst="rect">
-            <a:avLst/>
-          </a:prstGeom>
-          <a:noFill/>
-          <a:ln>
-            <a:noFill/>
-          </a:ln>
-        </p:spPr>
         <p:txBody>
           <a:bodyPr anchor="ctr"/>
           <a:p>
-            <a:pPr algn="ctr">
+            <a:pPr algn="r">
               <a:lnSpc>
                 <a:spcPct val="100000"/>
               </a:lnSpc>
@@ -14228,68 +13895,9 @@
                 <a:latin typeface="Calibri"/>
                 <a:ea typeface="Calibri"/>
               </a:rPr>
-              <a:t>Abschlusspräsentation SWT-Projekt</a:t>
-            </a:r>
-            <a:endParaRPr/>
-          </a:p>
-          <a:p>
-            <a:pPr algn="ctr">
-              <a:lnSpc>
-                <a:spcPct val="100000"/>
-              </a:lnSpc>
-            </a:pPr>
-            <a:r>
-              <a:rPr lang="de-DE" sz="1200" strike="noStrike">
-                <a:solidFill>
-                  <a:srgbClr val="888b96"/>
-                </a:solidFill>
-                <a:latin typeface="Calibri"/>
-                <a:ea typeface="Calibri"/>
-              </a:rPr>
-              <a:t>Gruppe 3: Fahrgastinformationssystem</a:t>
-            </a:r>
-            <a:endParaRPr/>
-          </a:p>
-        </p:txBody>
-      </p:sp>
-      <p:sp>
-        <p:nvSpPr>
-          <p:cNvPr id="392" name="TextShape 14"/>
-          <p:cNvSpPr txBox="1"/>
-          <p:nvPr/>
-        </p:nvSpPr>
-        <p:spPr>
-          <a:xfrm>
-            <a:off x="6458040" y="6356520"/>
-            <a:ext cx="1929960" cy="364680"/>
-          </a:xfrm>
-          <a:prstGeom prst="rect">
-            <a:avLst/>
-          </a:prstGeom>
-          <a:noFill/>
-          <a:ln>
-            <a:noFill/>
-          </a:ln>
-        </p:spPr>
-        <p:txBody>
-          <a:bodyPr anchor="ctr"/>
-          <a:p>
-            <a:pPr algn="r">
-              <a:lnSpc>
-                <a:spcPct val="100000"/>
-              </a:lnSpc>
-            </a:pPr>
-            <a:r>
-              <a:rPr lang="de-DE" sz="1200" strike="noStrike">
-                <a:solidFill>
-                  <a:srgbClr val="888b96"/>
-                </a:solidFill>
-                <a:latin typeface="Calibri"/>
-                <a:ea typeface="Calibri"/>
-              </a:rPr>
               <a:t>Folie </a:t>
             </a:r>
-            <a:fld id="{6BD90C06-E333-48D5-9B77-DD0F85633F97}" type="slidenum">
+            <a:fld id="{C1C9F540-AF7B-4FE4-9D24-B269F1EA1102}" type="slidenum">
               <a:rPr lang="de-DE" sz="1200" strike="noStrike">
                 <a:solidFill>
                   <a:srgbClr val="888b96"/>
@@ -14362,16 +13970,40 @@
           <a:chExt cx="0" cy="0"/>
         </a:xfrm>
       </p:grpSpPr>
-      <p:sp>
-        <p:nvSpPr>
-          <p:cNvPr id="393" name="TextShape 1"/>
+      <p:pic>
+        <p:nvPicPr>
+          <p:cNvPr id="383" name="Shape 478" descr=""/>
+          <p:cNvPicPr/>
+          <p:nvPr/>
+        </p:nvPicPr>
+        <p:blipFill>
+          <a:blip r:embed="rId1"/>
+          <a:srcRect l="0" t="10590" r="0" b="10590"/>
+          <a:stretch/>
+        </p:blipFill>
+        <p:spPr>
+          <a:xfrm>
+            <a:off x="1209960" y="1412640"/>
+            <a:ext cx="6723360" cy="3973680"/>
+          </a:xfrm>
+          <a:prstGeom prst="rect">
+            <a:avLst/>
+          </a:prstGeom>
+          <a:ln>
+            <a:noFill/>
+          </a:ln>
+        </p:spPr>
+      </p:pic>
+      <p:sp>
+        <p:nvSpPr>
+          <p:cNvPr id="384" name="TextShape 1"/>
           <p:cNvSpPr txBox="1"/>
           <p:nvPr/>
         </p:nvSpPr>
         <p:spPr>
           <a:xfrm>
-            <a:off x="947880" y="2134800"/>
-            <a:ext cx="7440120" cy="4065120"/>
+            <a:off x="3029040" y="6356520"/>
+            <a:ext cx="3085560" cy="364680"/>
           </a:xfrm>
           <a:prstGeom prst="rect">
             <a:avLst/>
@@ -14382,187 +14014,55 @@
           </a:ln>
         </p:spPr>
         <p:txBody>
-          <a:bodyPr/>
-          <a:p>
-            <a:pPr>
-              <a:lnSpc>
-                <a:spcPct val="100000"/>
-              </a:lnSpc>
-              <a:buFont typeface="Arial"/>
-              <a:buChar char="•"/>
-            </a:pPr>
-            <a:r>
-              <a:rPr lang="de-DE" sz="2000" strike="noStrike">
-                <a:solidFill>
-                  <a:srgbClr val="0b2a51"/>
-                </a:solidFill>
-                <a:latin typeface="Verdana"/>
-                <a:ea typeface="Verdana"/>
-              </a:rPr>
-              <a:t>Aufgabenstellung erfüllt</a:t>
-            </a:r>
-            <a:endParaRPr/>
-          </a:p>
-          <a:p>
-            <a:pPr>
-              <a:lnSpc>
-                <a:spcPct val="100000"/>
-              </a:lnSpc>
-            </a:pPr>
-            <a:endParaRPr/>
-          </a:p>
-          <a:p>
-            <a:pPr>
-              <a:lnSpc>
-                <a:spcPct val="100000"/>
-              </a:lnSpc>
-              <a:buFont typeface="Arial"/>
-              <a:buChar char="•"/>
-            </a:pPr>
-            <a:r>
-              <a:rPr lang="de-DE" sz="2000" strike="noStrike">
-                <a:solidFill>
-                  <a:srgbClr val="0b2a51"/>
-                </a:solidFill>
-                <a:latin typeface="Verdana"/>
-                <a:ea typeface="Verdana"/>
-              </a:rPr>
-              <a:t>Enge Rückkopplung mit Kunden</a:t>
-            </a:r>
-            <a:endParaRPr/>
-          </a:p>
-          <a:p>
-            <a:pPr>
-              <a:lnSpc>
-                <a:spcPct val="100000"/>
-              </a:lnSpc>
-              <a:buFont typeface="Arial"/>
-              <a:buChar char="•"/>
-            </a:pPr>
-            <a:r>
-              <a:rPr lang="de-DE" sz="2000" strike="noStrike">
-                <a:solidFill>
-                  <a:srgbClr val="0b2a51"/>
-                </a:solidFill>
-                <a:latin typeface="Verdana"/>
-                <a:ea typeface="Verdana"/>
-              </a:rPr>
-              <a:t>Kommunikation im Team</a:t>
-            </a:r>
-            <a:endParaRPr/>
-          </a:p>
-          <a:p>
-            <a:pPr lvl="1">
-              <a:lnSpc>
-                <a:spcPct val="100000"/>
-              </a:lnSpc>
-              <a:buFont typeface="Noto Sans Symbols"/>
-              <a:buChar char="▪"/>
-            </a:pPr>
-            <a:r>
-              <a:rPr lang="de-DE" strike="noStrike">
-                <a:solidFill>
-                  <a:srgbClr val="0b2a51"/>
-                </a:solidFill>
-                <a:latin typeface="Verdana"/>
-                <a:ea typeface="Verdana"/>
-              </a:rPr>
-              <a:t>Git, GitHub</a:t>
-            </a:r>
-            <a:endParaRPr/>
-          </a:p>
-          <a:p>
-            <a:pPr lvl="1">
-              <a:lnSpc>
-                <a:spcPct val="100000"/>
-              </a:lnSpc>
-              <a:buFont typeface="Noto Sans Symbols"/>
-              <a:buChar char="▪"/>
-            </a:pPr>
-            <a:r>
-              <a:rPr lang="de-DE" strike="noStrike">
-                <a:solidFill>
-                  <a:srgbClr val="0b2a51"/>
-                </a:solidFill>
-                <a:latin typeface="Verdana"/>
-                <a:ea typeface="Verdana"/>
-              </a:rPr>
-              <a:t>Wöchentliche Treffen</a:t>
-            </a:r>
-            <a:endParaRPr/>
-          </a:p>
-          <a:p>
-            <a:pPr>
-              <a:lnSpc>
-                <a:spcPct val="100000"/>
-              </a:lnSpc>
-              <a:buFont typeface="Arial"/>
-              <a:buChar char="•"/>
-            </a:pPr>
-            <a:r>
-              <a:rPr lang="de-DE" sz="2000" strike="noStrike">
-                <a:solidFill>
-                  <a:srgbClr val="0b2a51"/>
-                </a:solidFill>
-                <a:latin typeface="Verdana"/>
-                <a:ea typeface="Verdana"/>
-              </a:rPr>
-              <a:t>Frameworks</a:t>
-            </a:r>
-            <a:endParaRPr/>
-          </a:p>
-          <a:p>
-            <a:pPr lvl="1">
-              <a:lnSpc>
-                <a:spcPct val="100000"/>
-              </a:lnSpc>
-              <a:buFont typeface="Noto Sans Symbols"/>
-              <a:buChar char="▪"/>
-            </a:pPr>
-            <a:r>
-              <a:rPr lang="de-DE" strike="noStrike">
-                <a:solidFill>
-                  <a:srgbClr val="0b2a51"/>
-                </a:solidFill>
-                <a:latin typeface="Verdana"/>
-                <a:ea typeface="Verdana"/>
-              </a:rPr>
-              <a:t>Fokussierung</a:t>
-            </a:r>
-            <a:endParaRPr/>
-          </a:p>
-          <a:p>
-            <a:pPr lvl="1">
-              <a:lnSpc>
-                <a:spcPct val="100000"/>
-              </a:lnSpc>
-              <a:buFont typeface="Noto Sans Symbols"/>
-              <a:buChar char="▪"/>
-            </a:pPr>
-            <a:r>
-              <a:rPr lang="de-DE" strike="noStrike">
-                <a:solidFill>
-                  <a:srgbClr val="0b2a51"/>
-                </a:solidFill>
-                <a:latin typeface="Verdana"/>
-                <a:ea typeface="Verdana"/>
-              </a:rPr>
-              <a:t>Hoher Einarbeitungsaufwand</a:t>
-            </a:r>
-            <a:endParaRPr/>
-          </a:p>
-        </p:txBody>
-      </p:sp>
-      <p:sp>
-        <p:nvSpPr>
-          <p:cNvPr id="394" name="TextShape 2"/>
+          <a:bodyPr anchor="ctr"/>
+          <a:p>
+            <a:pPr algn="ctr">
+              <a:lnSpc>
+                <a:spcPct val="100000"/>
+              </a:lnSpc>
+            </a:pPr>
+            <a:r>
+              <a:rPr lang="de-DE" sz="1200" strike="noStrike">
+                <a:solidFill>
+                  <a:srgbClr val="888b96"/>
+                </a:solidFill>
+                <a:latin typeface="Calibri"/>
+                <a:ea typeface="Calibri"/>
+              </a:rPr>
+              <a:t>Abschlusspräsentation SWT-Projekt</a:t>
+            </a:r>
+            <a:endParaRPr/>
+          </a:p>
+          <a:p>
+            <a:pPr algn="ctr">
+              <a:lnSpc>
+                <a:spcPct val="100000"/>
+              </a:lnSpc>
+            </a:pPr>
+            <a:r>
+              <a:rPr lang="de-DE" sz="1200" strike="noStrike">
+                <a:solidFill>
+                  <a:srgbClr val="888b96"/>
+                </a:solidFill>
+                <a:latin typeface="Calibri"/>
+                <a:ea typeface="Calibri"/>
+              </a:rPr>
+              <a:t>Gruppe 3: Fahrgastinformationssystem</a:t>
+            </a:r>
+            <a:endParaRPr/>
+          </a:p>
+        </p:txBody>
+      </p:sp>
+      <p:sp>
+        <p:nvSpPr>
+          <p:cNvPr id="385" name="TextShape 2"/>
           <p:cNvSpPr txBox="1"/>
           <p:nvPr/>
         </p:nvSpPr>
         <p:spPr>
           <a:xfrm>
-            <a:off x="976320" y="6356520"/>
-            <a:ext cx="1709640" cy="364680"/>
+            <a:off x="971640" y="6356520"/>
+            <a:ext cx="1714320" cy="364680"/>
           </a:xfrm>
           <a:prstGeom prst="rect">
             <a:avLst/>
@@ -14596,47 +14096,14 @@
       </p:sp>
       <p:sp>
         <p:nvSpPr>
-          <p:cNvPr id="395" name="CustomShape 3"/>
-          <p:cNvSpPr/>
-          <p:nvPr/>
-        </p:nvSpPr>
-        <p:spPr>
-          <a:xfrm>
-            <a:off x="949680" y="1261440"/>
-            <a:ext cx="1616400" cy="646560"/>
-          </a:xfrm>
-          <a:prstGeom prst="chevron">
-            <a:avLst>
-              <a:gd name="adj" fmla="val 21600"/>
-            </a:avLst>
-          </a:prstGeom>
-          <a:solidFill>
-            <a:srgbClr val="005093"/>
-          </a:solidFill>
-          <a:ln w="25560">
-            <a:solidFill>
-              <a:schemeClr val="lt1"/>
-            </a:solidFill>
-            <a:round/>
-          </a:ln>
-        </p:spPr>
-        <p:style>
-          <a:lnRef idx="0"/>
-          <a:fillRef idx="0"/>
-          <a:effectRef idx="0"/>
-          <a:fontRef idx="minor"/>
-        </p:style>
-      </p:sp>
-      <p:sp>
-        <p:nvSpPr>
-          <p:cNvPr id="396" name="CustomShape 4"/>
-          <p:cNvSpPr/>
-          <p:nvPr/>
-        </p:nvSpPr>
-        <p:spPr>
-          <a:xfrm>
-            <a:off x="1272960" y="1261440"/>
-            <a:ext cx="969840" cy="646560"/>
+          <p:cNvPr id="386" name="TextShape 3"/>
+          <p:cNvSpPr txBox="1"/>
+          <p:nvPr/>
+        </p:nvSpPr>
+        <p:spPr>
+          <a:xfrm>
+            <a:off x="1792440" y="5359680"/>
+            <a:ext cx="5486040" cy="641880"/>
           </a:xfrm>
           <a:prstGeom prst="rect">
             <a:avLst/>
@@ -14646,77 +14113,38 @@
             <a:noFill/>
           </a:ln>
         </p:spPr>
-        <p:style>
-          <a:lnRef idx="0"/>
-          <a:fillRef idx="0"/>
-          <a:effectRef idx="0"/>
-          <a:fontRef idx="minor"/>
-        </p:style>
-        <p:txBody>
-          <a:bodyPr lIns="60120" rIns="20160" tIns="20160" bIns="20160" anchor="ctr"/>
+        <p:txBody>
+          <a:bodyPr anchor="b"/>
           <a:p>
             <a:pPr algn="ctr">
               <a:lnSpc>
-                <a:spcPct val="90000"/>
-              </a:lnSpc>
-            </a:pPr>
-            <a:r>
-              <a:rPr b="1" lang="de-DE" sz="1500" strike="noStrike">
-                <a:solidFill>
-                  <a:srgbClr val="ffffff"/>
-                </a:solidFill>
-                <a:latin typeface="Calibri"/>
-                <a:ea typeface="Calibri"/>
-              </a:rPr>
-              <a:t>Ziel-stellung</a:t>
-            </a:r>
-            <a:endParaRPr/>
-          </a:p>
-        </p:txBody>
-      </p:sp>
-      <p:sp>
-        <p:nvSpPr>
-          <p:cNvPr id="397" name="CustomShape 5"/>
-          <p:cNvSpPr/>
-          <p:nvPr/>
-        </p:nvSpPr>
-        <p:spPr>
-          <a:xfrm>
-            <a:off x="2404800" y="1261440"/>
-            <a:ext cx="1616400" cy="646560"/>
-          </a:xfrm>
-          <a:prstGeom prst="chevron">
-            <a:avLst>
-              <a:gd name="adj" fmla="val 21600"/>
-            </a:avLst>
-          </a:prstGeom>
-          <a:solidFill>
-            <a:srgbClr val="115fb2"/>
-          </a:solidFill>
-          <a:ln w="25560">
-            <a:solidFill>
-              <a:schemeClr val="lt1"/>
-            </a:solidFill>
-            <a:round/>
-          </a:ln>
-        </p:spPr>
-        <p:style>
-          <a:lnRef idx="0"/>
-          <a:fillRef idx="0"/>
-          <a:effectRef idx="0"/>
-          <a:fontRef idx="minor"/>
-        </p:style>
-      </p:sp>
-      <p:sp>
-        <p:nvSpPr>
-          <p:cNvPr id="398" name="CustomShape 6"/>
-          <p:cNvSpPr/>
-          <p:nvPr/>
-        </p:nvSpPr>
-        <p:spPr>
-          <a:xfrm>
-            <a:off x="2728080" y="1261440"/>
-            <a:ext cx="969840" cy="646560"/>
+                <a:spcPct val="100000"/>
+              </a:lnSpc>
+            </a:pPr>
+            <a:r>
+              <a:rPr b="1" lang="de-DE" strike="noStrike">
+                <a:solidFill>
+                  <a:srgbClr val="808080"/>
+                </a:solidFill>
+                <a:latin typeface="Verdana"/>
+                <a:ea typeface="Verdana"/>
+              </a:rPr>
+              <a:t>Vielen Dank für Ihre Aufmerksamkeit!</a:t>
+            </a:r>
+            <a:endParaRPr/>
+          </a:p>
+        </p:txBody>
+      </p:sp>
+      <p:sp>
+        <p:nvSpPr>
+          <p:cNvPr id="387" name="TextShape 4"/>
+          <p:cNvSpPr txBox="1"/>
+          <p:nvPr/>
+        </p:nvSpPr>
+        <p:spPr>
+          <a:xfrm>
+            <a:off x="6458040" y="6356520"/>
+            <a:ext cx="1944360" cy="364680"/>
           </a:xfrm>
           <a:prstGeom prst="rect">
             <a:avLst/>
@@ -14726,297 +14154,10 @@
             <a:noFill/>
           </a:ln>
         </p:spPr>
-        <p:style>
-          <a:lnRef idx="0"/>
-          <a:fillRef idx="0"/>
-          <a:effectRef idx="0"/>
-          <a:fontRef idx="minor"/>
-        </p:style>
-        <p:txBody>
-          <a:bodyPr lIns="60120" rIns="20160" tIns="20160" bIns="20160" anchor="ctr"/>
-          <a:p>
-            <a:pPr algn="ctr">
-              <a:lnSpc>
-                <a:spcPct val="90000"/>
-              </a:lnSpc>
-            </a:pPr>
-            <a:r>
-              <a:rPr b="1" lang="de-DE" sz="1500" strike="noStrike">
-                <a:solidFill>
-                  <a:srgbClr val="ffffff"/>
-                </a:solidFill>
-                <a:latin typeface="Calibri"/>
-                <a:ea typeface="Calibri"/>
-              </a:rPr>
-              <a:t>OO Analyse</a:t>
-            </a:r>
-            <a:endParaRPr/>
-          </a:p>
-        </p:txBody>
-      </p:sp>
-      <p:sp>
-        <p:nvSpPr>
-          <p:cNvPr id="399" name="CustomShape 7"/>
-          <p:cNvSpPr/>
-          <p:nvPr/>
-        </p:nvSpPr>
-        <p:spPr>
-          <a:xfrm>
-            <a:off x="3859920" y="1261440"/>
-            <a:ext cx="1616400" cy="646560"/>
-          </a:xfrm>
-          <a:prstGeom prst="chevron">
-            <a:avLst>
-              <a:gd name="adj" fmla="val 21600"/>
-            </a:avLst>
-          </a:prstGeom>
-          <a:solidFill>
-            <a:srgbClr val="2b6ec9"/>
-          </a:solidFill>
-          <a:ln w="25560">
-            <a:solidFill>
-              <a:schemeClr val="lt1"/>
-            </a:solidFill>
-            <a:round/>
-          </a:ln>
-        </p:spPr>
-        <p:style>
-          <a:lnRef idx="0"/>
-          <a:fillRef idx="0"/>
-          <a:effectRef idx="0"/>
-          <a:fontRef idx="minor"/>
-        </p:style>
-      </p:sp>
-      <p:sp>
-        <p:nvSpPr>
-          <p:cNvPr id="400" name="CustomShape 8"/>
-          <p:cNvSpPr/>
-          <p:nvPr/>
-        </p:nvSpPr>
-        <p:spPr>
-          <a:xfrm>
-            <a:off x="4183200" y="1261440"/>
-            <a:ext cx="969840" cy="646560"/>
-          </a:xfrm>
-          <a:prstGeom prst="rect">
-            <a:avLst/>
-          </a:prstGeom>
-          <a:noFill/>
-          <a:ln>
-            <a:noFill/>
-          </a:ln>
-        </p:spPr>
-        <p:style>
-          <a:lnRef idx="0"/>
-          <a:fillRef idx="0"/>
-          <a:effectRef idx="0"/>
-          <a:fontRef idx="minor"/>
-        </p:style>
-        <p:txBody>
-          <a:bodyPr lIns="60120" rIns="20160" tIns="20160" bIns="20160" anchor="ctr"/>
-          <a:p>
-            <a:pPr algn="ctr">
-              <a:lnSpc>
-                <a:spcPct val="90000"/>
-              </a:lnSpc>
-            </a:pPr>
-            <a:r>
-              <a:rPr b="1" lang="de-DE" sz="1500" strike="noStrike">
-                <a:solidFill>
-                  <a:srgbClr val="ffffff"/>
-                </a:solidFill>
-                <a:latin typeface="Calibri"/>
-                <a:ea typeface="Calibri"/>
-              </a:rPr>
-              <a:t>OO Entwurf</a:t>
-            </a:r>
-            <a:endParaRPr/>
-          </a:p>
-        </p:txBody>
-      </p:sp>
-      <p:sp>
-        <p:nvSpPr>
-          <p:cNvPr id="401" name="CustomShape 9"/>
-          <p:cNvSpPr/>
-          <p:nvPr/>
-        </p:nvSpPr>
-        <p:spPr>
-          <a:xfrm>
-            <a:off x="5315040" y="1261440"/>
-            <a:ext cx="1616400" cy="646560"/>
-          </a:xfrm>
-          <a:prstGeom prst="chevron">
-            <a:avLst>
-              <a:gd name="adj" fmla="val 21600"/>
-            </a:avLst>
-          </a:prstGeom>
-          <a:solidFill>
-            <a:srgbClr val="6186c5"/>
-          </a:solidFill>
-          <a:ln w="25560">
-            <a:solidFill>
-              <a:schemeClr val="lt1"/>
-            </a:solidFill>
-            <a:round/>
-          </a:ln>
-        </p:spPr>
-        <p:style>
-          <a:lnRef idx="0"/>
-          <a:fillRef idx="0"/>
-          <a:effectRef idx="0"/>
-          <a:fontRef idx="minor"/>
-        </p:style>
-      </p:sp>
-      <p:sp>
-        <p:nvSpPr>
-          <p:cNvPr id="402" name="CustomShape 10"/>
-          <p:cNvSpPr/>
-          <p:nvPr/>
-        </p:nvSpPr>
-        <p:spPr>
-          <a:xfrm>
-            <a:off x="5638320" y="1261440"/>
-            <a:ext cx="969840" cy="646560"/>
-          </a:xfrm>
-          <a:prstGeom prst="rect">
-            <a:avLst/>
-          </a:prstGeom>
-          <a:noFill/>
-          <a:ln>
-            <a:noFill/>
-          </a:ln>
-        </p:spPr>
-        <p:style>
-          <a:lnRef idx="0"/>
-          <a:fillRef idx="0"/>
-          <a:effectRef idx="0"/>
-          <a:fontRef idx="minor"/>
-        </p:style>
-        <p:txBody>
-          <a:bodyPr lIns="60120" rIns="20160" tIns="20160" bIns="20160" anchor="ctr"/>
-          <a:p>
-            <a:pPr algn="ctr">
-              <a:lnSpc>
-                <a:spcPct val="90000"/>
-              </a:lnSpc>
-            </a:pPr>
-            <a:r>
-              <a:rPr b="1" lang="de-DE" sz="1500" strike="noStrike">
-                <a:solidFill>
-                  <a:srgbClr val="ffffff"/>
-                </a:solidFill>
-                <a:latin typeface="Calibri"/>
-                <a:ea typeface="Calibri"/>
-              </a:rPr>
-              <a:t>Implemen-tierung</a:t>
-            </a:r>
-            <a:endParaRPr/>
-          </a:p>
-        </p:txBody>
-      </p:sp>
-      <p:sp>
-        <p:nvSpPr>
-          <p:cNvPr id="403" name="CustomShape 11"/>
-          <p:cNvSpPr/>
-          <p:nvPr/>
-        </p:nvSpPr>
-        <p:spPr>
-          <a:xfrm>
-            <a:off x="6770160" y="1261440"/>
-            <a:ext cx="1616400" cy="646560"/>
-          </a:xfrm>
-          <a:prstGeom prst="chevron">
-            <a:avLst>
-              <a:gd name="adj" fmla="val 21600"/>
-            </a:avLst>
-          </a:prstGeom>
-          <a:solidFill>
-            <a:srgbClr val="94a3c3"/>
-          </a:solidFill>
-          <a:ln w="25560">
-            <a:solidFill>
-              <a:schemeClr val="lt1"/>
-            </a:solidFill>
-            <a:round/>
-          </a:ln>
-        </p:spPr>
-        <p:style>
-          <a:lnRef idx="0"/>
-          <a:fillRef idx="0"/>
-          <a:effectRef idx="0"/>
-          <a:fontRef idx="minor"/>
-        </p:style>
-      </p:sp>
-      <p:sp>
-        <p:nvSpPr>
-          <p:cNvPr id="404" name="CustomShape 12"/>
-          <p:cNvSpPr/>
-          <p:nvPr/>
-        </p:nvSpPr>
-        <p:spPr>
-          <a:xfrm>
-            <a:off x="7093800" y="1261440"/>
-            <a:ext cx="969840" cy="646560"/>
-          </a:xfrm>
-          <a:prstGeom prst="rect">
-            <a:avLst/>
-          </a:prstGeom>
-          <a:noFill/>
-          <a:ln>
-            <a:noFill/>
-          </a:ln>
-        </p:spPr>
-        <p:style>
-          <a:lnRef idx="0"/>
-          <a:fillRef idx="0"/>
-          <a:effectRef idx="0"/>
-          <a:fontRef idx="minor"/>
-        </p:style>
-        <p:txBody>
-          <a:bodyPr lIns="60120" rIns="20160" tIns="20160" bIns="20160" anchor="ctr"/>
-          <a:p>
-            <a:pPr algn="ctr">
-              <a:lnSpc>
-                <a:spcPct val="90000"/>
-              </a:lnSpc>
-            </a:pPr>
-            <a:r>
-              <a:rPr b="1" lang="de-DE" sz="1500" strike="noStrike">
-                <a:solidFill>
-                  <a:srgbClr val="ffffff"/>
-                </a:solidFill>
-                <a:latin typeface="Calibri"/>
-                <a:ea typeface="Calibri"/>
-              </a:rPr>
-              <a:t>Rückblick</a:t>
-            </a:r>
-            <a:endParaRPr/>
-          </a:p>
-        </p:txBody>
-      </p:sp>
-      <p:sp>
-        <p:nvSpPr>
-          <p:cNvPr id="405" name="TextShape 13"/>
-          <p:cNvSpPr txBox="1"/>
-          <p:nvPr/>
-        </p:nvSpPr>
-        <p:spPr>
-          <a:xfrm>
-            <a:off x="3029040" y="6356520"/>
-            <a:ext cx="3085560" cy="364680"/>
-          </a:xfrm>
-          <a:prstGeom prst="rect">
-            <a:avLst/>
-          </a:prstGeom>
-          <a:noFill/>
-          <a:ln>
-            <a:noFill/>
-          </a:ln>
-        </p:spPr>
         <p:txBody>
           <a:bodyPr anchor="ctr"/>
           <a:p>
-            <a:pPr algn="ctr">
+            <a:pPr algn="r">
               <a:lnSpc>
                 <a:spcPct val="100000"/>
               </a:lnSpc>
@@ -15029,68 +14170,9 @@
                 <a:latin typeface="Calibri"/>
                 <a:ea typeface="Calibri"/>
               </a:rPr>
-              <a:t>Abschlusspräsentation SWT-Projekt</a:t>
-            </a:r>
-            <a:endParaRPr/>
-          </a:p>
-          <a:p>
-            <a:pPr algn="ctr">
-              <a:lnSpc>
-                <a:spcPct val="100000"/>
-              </a:lnSpc>
-            </a:pPr>
-            <a:r>
-              <a:rPr lang="de-DE" sz="1200" strike="noStrike">
-                <a:solidFill>
-                  <a:srgbClr val="888b96"/>
-                </a:solidFill>
-                <a:latin typeface="Calibri"/>
-                <a:ea typeface="Calibri"/>
-              </a:rPr>
-              <a:t>Gruppe 3: Fahrgastinformationssystem</a:t>
-            </a:r>
-            <a:endParaRPr/>
-          </a:p>
-        </p:txBody>
-      </p:sp>
-      <p:sp>
-        <p:nvSpPr>
-          <p:cNvPr id="406" name="TextShape 14"/>
-          <p:cNvSpPr txBox="1"/>
-          <p:nvPr/>
-        </p:nvSpPr>
-        <p:spPr>
-          <a:xfrm>
-            <a:off x="6458040" y="6356520"/>
-            <a:ext cx="1929960" cy="364680"/>
-          </a:xfrm>
-          <a:prstGeom prst="rect">
-            <a:avLst/>
-          </a:prstGeom>
-          <a:noFill/>
-          <a:ln>
-            <a:noFill/>
-          </a:ln>
-        </p:spPr>
-        <p:txBody>
-          <a:bodyPr anchor="ctr"/>
-          <a:p>
-            <a:pPr algn="r">
-              <a:lnSpc>
-                <a:spcPct val="100000"/>
-              </a:lnSpc>
-            </a:pPr>
-            <a:r>
-              <a:rPr lang="de-DE" sz="1200" strike="noStrike">
-                <a:solidFill>
-                  <a:srgbClr val="888b96"/>
-                </a:solidFill>
-                <a:latin typeface="Calibri"/>
-                <a:ea typeface="Calibri"/>
-              </a:rPr>
               <a:t>Folie </a:t>
             </a:r>
-            <a:fld id="{211D0FD5-F99D-42B6-9C38-F47589EC3195}" type="slidenum">
+            <a:fld id="{F7678002-7DED-4876-AC0E-C685A652B403}" type="slidenum">
               <a:rPr lang="de-DE" sz="1200" strike="noStrike">
                 <a:solidFill>
                   <a:srgbClr val="888b96"/>
@@ -15123,532 +14205,6 @@
           <p:childTnLst>
             <p:seq>
               <p:cTn id="42" nodeType="mainSeq"/>
-              <p:prevCondLst>
-                <p:cond delay="0" evt="onPrev">
-                  <p:tgtEl>
-                    <p:sldTgt/>
-                  </p:tgtEl>
-                </p:cond>
-              </p:prevCondLst>
-              <p:nextCondLst>
-                <p:cond delay="0" evt="onNext">
-                  <p:tgtEl>
-                    <p:sldTgt/>
-                  </p:tgtEl>
-                </p:cond>
-              </p:nextCondLst>
-            </p:seq>
-          </p:childTnLst>
-        </p:cTn>
-      </p:par>
-    </p:tnLst>
-  </p:timing>
-</p:sld>
-</file>
-
-<file path=ppt/slides/slide22.xml><?xml version="1.0" encoding="utf-8"?>
-<p:sld xmlns:a="http://schemas.openxmlformats.org/drawingml/2006/main" xmlns:p="http://schemas.openxmlformats.org/presentationml/2006/main" xmlns:r="http://schemas.openxmlformats.org/officeDocument/2006/relationships">
-  <p:cSld>
-    <p:spTree>
-      <p:nvGrpSpPr>
-        <p:cNvPr id="1" name=""/>
-        <p:cNvGrpSpPr/>
-        <p:nvPr/>
-      </p:nvGrpSpPr>
-      <p:grpSpPr>
-        <a:xfrm>
-          <a:off x="0" y="0"/>
-          <a:ext cx="0" cy="0"/>
-          <a:chOff x="0" y="0"/>
-          <a:chExt cx="0" cy="0"/>
-        </a:xfrm>
-      </p:grpSpPr>
-      <p:sp>
-        <p:nvSpPr>
-          <p:cNvPr id="407" name="TextShape 1"/>
-          <p:cNvSpPr txBox="1"/>
-          <p:nvPr/>
-        </p:nvSpPr>
-        <p:spPr>
-          <a:xfrm>
-            <a:off x="947880" y="2857680"/>
-            <a:ext cx="7430760" cy="1142640"/>
-          </a:xfrm>
-          <a:prstGeom prst="rect">
-            <a:avLst/>
-          </a:prstGeom>
-          <a:noFill/>
-          <a:ln>
-            <a:noFill/>
-          </a:ln>
-        </p:spPr>
-        <p:txBody>
-          <a:bodyPr anchor="ctr"/>
-          <a:p>
-            <a:pPr>
-              <a:lnSpc>
-                <a:spcPct val="100000"/>
-              </a:lnSpc>
-            </a:pPr>
-            <a:r>
-              <a:rPr b="1" lang="de-DE" sz="2400" strike="noStrike">
-                <a:solidFill>
-                  <a:srgbClr val="808080"/>
-                </a:solidFill>
-                <a:latin typeface="Verdana"/>
-                <a:ea typeface="Verdana"/>
-              </a:rPr>
-              <a:t>6  Demonstration der Anwendung</a:t>
-            </a:r>
-            <a:endParaRPr/>
-          </a:p>
-        </p:txBody>
-      </p:sp>
-      <p:sp>
-        <p:nvSpPr>
-          <p:cNvPr id="408" name="TextShape 2"/>
-          <p:cNvSpPr txBox="1"/>
-          <p:nvPr/>
-        </p:nvSpPr>
-        <p:spPr>
-          <a:xfrm>
-            <a:off x="947880" y="6356520"/>
-            <a:ext cx="1738080" cy="364680"/>
-          </a:xfrm>
-          <a:prstGeom prst="rect">
-            <a:avLst/>
-          </a:prstGeom>
-          <a:noFill/>
-          <a:ln>
-            <a:noFill/>
-          </a:ln>
-        </p:spPr>
-        <p:txBody>
-          <a:bodyPr anchor="ctr"/>
-          <a:p>
-            <a:pPr>
-              <a:lnSpc>
-                <a:spcPct val="100000"/>
-              </a:lnSpc>
-            </a:pPr>
-            <a:r>
-              <a:rPr lang="de-DE" sz="1000" strike="noStrike">
-                <a:solidFill>
-                  <a:srgbClr val="808080"/>
-                </a:solidFill>
-                <a:latin typeface="Verdana"/>
-                <a:ea typeface="Verdana"/>
-              </a:rPr>
-              <a:t>02.02.2016</a:t>
-            </a:r>
-            <a:endParaRPr/>
-          </a:p>
-        </p:txBody>
-      </p:sp>
-      <p:sp>
-        <p:nvSpPr>
-          <p:cNvPr id="409" name="TextShape 3"/>
-          <p:cNvSpPr txBox="1"/>
-          <p:nvPr/>
-        </p:nvSpPr>
-        <p:spPr>
-          <a:xfrm>
-            <a:off x="3029040" y="6356520"/>
-            <a:ext cx="3085560" cy="364680"/>
-          </a:xfrm>
-          <a:prstGeom prst="rect">
-            <a:avLst/>
-          </a:prstGeom>
-          <a:noFill/>
-          <a:ln>
-            <a:noFill/>
-          </a:ln>
-        </p:spPr>
-        <p:txBody>
-          <a:bodyPr anchor="ctr"/>
-          <a:p>
-            <a:pPr algn="ctr">
-              <a:lnSpc>
-                <a:spcPct val="100000"/>
-              </a:lnSpc>
-            </a:pPr>
-            <a:r>
-              <a:rPr lang="de-DE" sz="1200" strike="noStrike">
-                <a:solidFill>
-                  <a:srgbClr val="888b96"/>
-                </a:solidFill>
-                <a:latin typeface="Calibri"/>
-                <a:ea typeface="Calibri"/>
-              </a:rPr>
-              <a:t>Abschlusspräsentation SWT-Projekt</a:t>
-            </a:r>
-            <a:endParaRPr/>
-          </a:p>
-          <a:p>
-            <a:pPr algn="ctr">
-              <a:lnSpc>
-                <a:spcPct val="100000"/>
-              </a:lnSpc>
-            </a:pPr>
-            <a:r>
-              <a:rPr lang="de-DE" sz="1200" strike="noStrike">
-                <a:solidFill>
-                  <a:srgbClr val="888b96"/>
-                </a:solidFill>
-                <a:latin typeface="Calibri"/>
-                <a:ea typeface="Calibri"/>
-              </a:rPr>
-              <a:t>Gruppe 3: Fahrgastinformationssystem</a:t>
-            </a:r>
-            <a:endParaRPr/>
-          </a:p>
-        </p:txBody>
-      </p:sp>
-      <p:sp>
-        <p:nvSpPr>
-          <p:cNvPr id="410" name="TextShape 4"/>
-          <p:cNvSpPr txBox="1"/>
-          <p:nvPr/>
-        </p:nvSpPr>
-        <p:spPr>
-          <a:xfrm>
-            <a:off x="6458040" y="6356520"/>
-            <a:ext cx="1929960" cy="364680"/>
-          </a:xfrm>
-          <a:prstGeom prst="rect">
-            <a:avLst/>
-          </a:prstGeom>
-          <a:noFill/>
-          <a:ln>
-            <a:noFill/>
-          </a:ln>
-        </p:spPr>
-        <p:txBody>
-          <a:bodyPr anchor="ctr"/>
-          <a:p>
-            <a:pPr algn="r">
-              <a:lnSpc>
-                <a:spcPct val="100000"/>
-              </a:lnSpc>
-            </a:pPr>
-            <a:r>
-              <a:rPr lang="de-DE" sz="1200" strike="noStrike">
-                <a:solidFill>
-                  <a:srgbClr val="888b96"/>
-                </a:solidFill>
-                <a:latin typeface="Calibri"/>
-                <a:ea typeface="Calibri"/>
-              </a:rPr>
-              <a:t>Folie </a:t>
-            </a:r>
-            <a:fld id="{8DC821EC-58BD-4920-91EF-62B57EEAE74C}" type="slidenum">
-              <a:rPr lang="de-DE" sz="1200" strike="noStrike">
-                <a:solidFill>
-                  <a:srgbClr val="888b96"/>
-                </a:solidFill>
-                <a:latin typeface="Calibri"/>
-                <a:ea typeface="Calibri"/>
-              </a:rPr>
-              <a:t>&lt;Foliennummer&gt;</a:t>
-            </a:fld>
-            <a:r>
-              <a:rPr lang="de-DE" sz="1200" strike="noStrike">
-                <a:solidFill>
-                  <a:srgbClr val="888b96"/>
-                </a:solidFill>
-                <a:latin typeface="Calibri"/>
-                <a:ea typeface="Calibri"/>
-              </a:rPr>
-              <a:t> / 24</a:t>
-            </a:r>
-            <a:endParaRPr/>
-          </a:p>
-        </p:txBody>
-      </p:sp>
-    </p:spTree>
-  </p:cSld>
-  <p:timing>
-    <p:tnLst>
-      <p:par>
-        <p:cTn id="43" dur="indefinite" restart="never" nodeType="tmRoot">
-          <p:childTnLst>
-            <p:seq>
-              <p:cTn id="44" nodeType="mainSeq"/>
-              <p:prevCondLst>
-                <p:cond delay="0" evt="onPrev">
-                  <p:tgtEl>
-                    <p:sldTgt/>
-                  </p:tgtEl>
-                </p:cond>
-              </p:prevCondLst>
-              <p:nextCondLst>
-                <p:cond delay="0" evt="onNext">
-                  <p:tgtEl>
-                    <p:sldTgt/>
-                  </p:tgtEl>
-                </p:cond>
-              </p:nextCondLst>
-            </p:seq>
-          </p:childTnLst>
-        </p:cTn>
-      </p:par>
-    </p:tnLst>
-  </p:timing>
-</p:sld>
-</file>
-
-<file path=ppt/slides/slide23.xml><?xml version="1.0" encoding="utf-8"?>
-<p:sld xmlns:a="http://schemas.openxmlformats.org/drawingml/2006/main" xmlns:p="http://schemas.openxmlformats.org/presentationml/2006/main" xmlns:r="http://schemas.openxmlformats.org/officeDocument/2006/relationships">
-  <p:cSld>
-    <p:spTree>
-      <p:nvGrpSpPr>
-        <p:cNvPr id="1" name=""/>
-        <p:cNvGrpSpPr/>
-        <p:nvPr/>
-      </p:nvGrpSpPr>
-      <p:grpSpPr>
-        <a:xfrm>
-          <a:off x="0" y="0"/>
-          <a:ext cx="0" cy="0"/>
-          <a:chOff x="0" y="0"/>
-          <a:chExt cx="0" cy="0"/>
-        </a:xfrm>
-      </p:grpSpPr>
-      <p:pic>
-        <p:nvPicPr>
-          <p:cNvPr id="411" name="Shape 478" descr=""/>
-          <p:cNvPicPr/>
-          <p:nvPr/>
-        </p:nvPicPr>
-        <p:blipFill>
-          <a:blip r:embed="rId1"/>
-          <a:srcRect l="0" t="10590" r="0" b="10590"/>
-          <a:stretch/>
-        </p:blipFill>
-        <p:spPr>
-          <a:xfrm>
-            <a:off x="1209960" y="1412640"/>
-            <a:ext cx="6723360" cy="3973680"/>
-          </a:xfrm>
-          <a:prstGeom prst="rect">
-            <a:avLst/>
-          </a:prstGeom>
-          <a:ln>
-            <a:noFill/>
-          </a:ln>
-        </p:spPr>
-      </p:pic>
-      <p:sp>
-        <p:nvSpPr>
-          <p:cNvPr id="412" name="TextShape 1"/>
-          <p:cNvSpPr txBox="1"/>
-          <p:nvPr/>
-        </p:nvSpPr>
-        <p:spPr>
-          <a:xfrm>
-            <a:off x="3029040" y="6356520"/>
-            <a:ext cx="3085560" cy="364680"/>
-          </a:xfrm>
-          <a:prstGeom prst="rect">
-            <a:avLst/>
-          </a:prstGeom>
-          <a:noFill/>
-          <a:ln>
-            <a:noFill/>
-          </a:ln>
-        </p:spPr>
-        <p:txBody>
-          <a:bodyPr anchor="ctr"/>
-          <a:p>
-            <a:pPr algn="ctr">
-              <a:lnSpc>
-                <a:spcPct val="100000"/>
-              </a:lnSpc>
-            </a:pPr>
-            <a:r>
-              <a:rPr lang="de-DE" sz="1200" strike="noStrike">
-                <a:solidFill>
-                  <a:srgbClr val="888b96"/>
-                </a:solidFill>
-                <a:latin typeface="Calibri"/>
-                <a:ea typeface="Calibri"/>
-              </a:rPr>
-              <a:t>Abschlusspräsentation SWT-Projekt</a:t>
-            </a:r>
-            <a:endParaRPr/>
-          </a:p>
-          <a:p>
-            <a:pPr algn="ctr">
-              <a:lnSpc>
-                <a:spcPct val="100000"/>
-              </a:lnSpc>
-            </a:pPr>
-            <a:r>
-              <a:rPr lang="de-DE" sz="1200" strike="noStrike">
-                <a:solidFill>
-                  <a:srgbClr val="888b96"/>
-                </a:solidFill>
-                <a:latin typeface="Calibri"/>
-                <a:ea typeface="Calibri"/>
-              </a:rPr>
-              <a:t>Gruppe 3: Fahrgastinformationssystem</a:t>
-            </a:r>
-            <a:endParaRPr/>
-          </a:p>
-        </p:txBody>
-      </p:sp>
-      <p:sp>
-        <p:nvSpPr>
-          <p:cNvPr id="413" name="TextShape 2"/>
-          <p:cNvSpPr txBox="1"/>
-          <p:nvPr/>
-        </p:nvSpPr>
-        <p:spPr>
-          <a:xfrm>
-            <a:off x="971640" y="6356520"/>
-            <a:ext cx="1714320" cy="364680"/>
-          </a:xfrm>
-          <a:prstGeom prst="rect">
-            <a:avLst/>
-          </a:prstGeom>
-          <a:noFill/>
-          <a:ln>
-            <a:noFill/>
-          </a:ln>
-        </p:spPr>
-        <p:txBody>
-          <a:bodyPr anchor="ctr"/>
-          <a:p>
-            <a:pPr>
-              <a:lnSpc>
-                <a:spcPct val="100000"/>
-              </a:lnSpc>
-            </a:pPr>
-            <a:r>
-              <a:rPr lang="de-DE" sz="1000" strike="noStrike">
-                <a:solidFill>
-                  <a:srgbClr val="808080"/>
-                </a:solidFill>
-                <a:latin typeface="Verdana"/>
-                <a:ea typeface="Verdana"/>
-              </a:rPr>
-              <a:t>02.02.2016</a:t>
-            </a:r>
-            <a:endParaRPr/>
-          </a:p>
-        </p:txBody>
-      </p:sp>
-      <p:sp>
-        <p:nvSpPr>
-          <p:cNvPr id="414" name="TextShape 3"/>
-          <p:cNvSpPr txBox="1"/>
-          <p:nvPr/>
-        </p:nvSpPr>
-        <p:spPr>
-          <a:xfrm>
-            <a:off x="1792440" y="5359680"/>
-            <a:ext cx="5486040" cy="641880"/>
-          </a:xfrm>
-          <a:prstGeom prst="rect">
-            <a:avLst/>
-          </a:prstGeom>
-          <a:noFill/>
-          <a:ln>
-            <a:noFill/>
-          </a:ln>
-        </p:spPr>
-        <p:txBody>
-          <a:bodyPr anchor="b"/>
-          <a:p>
-            <a:pPr algn="ctr">
-              <a:lnSpc>
-                <a:spcPct val="100000"/>
-              </a:lnSpc>
-            </a:pPr>
-            <a:r>
-              <a:rPr b="1" lang="de-DE" strike="noStrike">
-                <a:solidFill>
-                  <a:srgbClr val="808080"/>
-                </a:solidFill>
-                <a:latin typeface="Verdana"/>
-                <a:ea typeface="Verdana"/>
-              </a:rPr>
-              <a:t>Vielen Dank für Ihre Aufmerksamkeit!</a:t>
-            </a:r>
-            <a:endParaRPr/>
-          </a:p>
-        </p:txBody>
-      </p:sp>
-      <p:sp>
-        <p:nvSpPr>
-          <p:cNvPr id="415" name="TextShape 4"/>
-          <p:cNvSpPr txBox="1"/>
-          <p:nvPr/>
-        </p:nvSpPr>
-        <p:spPr>
-          <a:xfrm>
-            <a:off x="6458040" y="6356520"/>
-            <a:ext cx="1944360" cy="364680"/>
-          </a:xfrm>
-          <a:prstGeom prst="rect">
-            <a:avLst/>
-          </a:prstGeom>
-          <a:noFill/>
-          <a:ln>
-            <a:noFill/>
-          </a:ln>
-        </p:spPr>
-        <p:txBody>
-          <a:bodyPr anchor="ctr"/>
-          <a:p>
-            <a:pPr algn="r">
-              <a:lnSpc>
-                <a:spcPct val="100000"/>
-              </a:lnSpc>
-            </a:pPr>
-            <a:r>
-              <a:rPr lang="de-DE" sz="1200" strike="noStrike">
-                <a:solidFill>
-                  <a:srgbClr val="888b96"/>
-                </a:solidFill>
-                <a:latin typeface="Calibri"/>
-                <a:ea typeface="Calibri"/>
-              </a:rPr>
-              <a:t>Folie </a:t>
-            </a:r>
-            <a:fld id="{EAD553D5-21EC-44E2-9D77-FE4623CDE8C3}" type="slidenum">
-              <a:rPr lang="de-DE" sz="1200" strike="noStrike">
-                <a:solidFill>
-                  <a:srgbClr val="888b96"/>
-                </a:solidFill>
-                <a:latin typeface="Calibri"/>
-                <a:ea typeface="Calibri"/>
-              </a:rPr>
-              <a:t>&lt;Foliennummer&gt;</a:t>
-            </a:fld>
-            <a:r>
-              <a:rPr lang="de-DE" sz="1200" strike="noStrike">
-                <a:solidFill>
-                  <a:srgbClr val="888b96"/>
-                </a:solidFill>
-                <a:latin typeface="Calibri"/>
-                <a:ea typeface="Calibri"/>
-              </a:rPr>
-              <a:t> / 24</a:t>
-            </a:r>
-            <a:endParaRPr/>
-          </a:p>
-        </p:txBody>
-      </p:sp>
-    </p:spTree>
-  </p:cSld>
-  <p:timing>
-    <p:tnLst>
-      <p:par>
-        <p:cTn id="45" dur="indefinite" restart="never" nodeType="tmRoot">
-          <p:childTnLst>
-            <p:seq>
-              <p:cTn id="46" nodeType="mainSeq"/>
               <p:prevCondLst>
                 <p:cond delay="0" evt="onPrev">
                   <p:tgtEl>
@@ -16453,7 +15009,7 @@
               </a:rPr>
               <a:t>Folie </a:t>
             </a:r>
-            <a:fld id="{595776EC-8305-43F7-A65D-C8C003728DBE}" type="slidenum">
+            <a:fld id="{A72D8A24-AD2F-4317-82BA-FBD06A27BB57}" type="slidenum">
               <a:rPr lang="de-DE" sz="1200" strike="noStrike">
                 <a:solidFill>
                   <a:srgbClr val="888b96"/>
@@ -17186,7 +15742,7 @@
               </a:rPr>
               <a:t>Folie </a:t>
             </a:r>
-            <a:fld id="{9B95B2D1-7CF6-4338-86E1-0778A981B7D9}" type="slidenum">
+            <a:fld id="{AD097767-BB64-4D6D-BE3D-5A72830AD420}" type="slidenum">
               <a:rPr lang="de-DE" sz="1200" strike="noStrike">
                 <a:solidFill>
                   <a:srgbClr val="888b96"/>
@@ -17862,7 +16418,7 @@
               </a:rPr>
               <a:t>Folie </a:t>
             </a:r>
-            <a:fld id="{322C651C-2CA5-4F0B-ADDF-F64A75F755E1}" type="slidenum">
+            <a:fld id="{8D2DEE73-885E-4363-AD00-B0D18A7A4B7E}" type="slidenum">
               <a:rPr lang="de-DE" sz="1200" strike="noStrike">
                 <a:solidFill>
                   <a:srgbClr val="888b96"/>
@@ -18633,7 +17189,7 @@
               </a:rPr>
               <a:t>Folie </a:t>
             </a:r>
-            <a:fld id="{849F7167-7919-4A5A-B313-D88B43EFD2D7}" type="slidenum">
+            <a:fld id="{3D187606-8246-48FC-B869-92ECEDAEB4DF}" type="slidenum">
               <a:rPr lang="de-DE" sz="1200" strike="noStrike">
                 <a:solidFill>
                   <a:srgbClr val="888b96"/>
@@ -19384,7 +17940,7 @@
               </a:rPr>
               <a:t>Folie </a:t>
             </a:r>
-            <a:fld id="{1B11383C-A1FD-4353-9AAD-C038181C0E23}" type="slidenum">
+            <a:fld id="{7E62DCB2-7DCA-4B52-83C2-01F7A2AF5E72}" type="slidenum">
               <a:rPr lang="de-DE" sz="1200" strike="noStrike">
                 <a:solidFill>
                   <a:srgbClr val="888b96"/>
@@ -20075,7 +18631,7 @@
               </a:rPr>
               <a:t>Folie </a:t>
             </a:r>
-            <a:fld id="{181218AB-63CB-48C9-A929-01014CCFFB5D}" type="slidenum">
+            <a:fld id="{70963667-95EB-49CC-B5DD-CEEFE90CC7C0}" type="slidenum">
               <a:rPr lang="de-DE" sz="1200" strike="noStrike">
                 <a:solidFill>
                   <a:srgbClr val="888b96"/>
@@ -20788,7 +19344,7 @@
               </a:rPr>
               <a:t>Folie </a:t>
             </a:r>
-            <a:fld id="{B77E1F86-3728-436B-BCE6-DF910F60469A}" type="slidenum">
+            <a:fld id="{DAC530B6-5EE8-459F-8264-D4541CF64649}" type="slidenum">
               <a:rPr lang="de-DE" sz="1200" strike="noStrike">
                 <a:solidFill>
                   <a:srgbClr val="888b96"/>

--- a/organisation/Endpräsentation/abschlusspraesentation.pptx
+++ b/organisation/Endpräsentation/abschlusspraesentation.pptx
@@ -206,7 +206,7 @@
           <a:bodyPr lIns="0" rIns="0" tIns="0" bIns="0" anchor="b"/>
           <a:p>
             <a:pPr algn="r"/>
-            <a:fld id="{F22E7A29-2FFD-4952-8D00-FE7B3447A9D5}" type="slidenum">
+            <a:fld id="{1DB2138A-D59B-42D6-B689-164174CECD82}" type="slidenum">
               <a:rPr lang="de-DE" sz="1400">
                 <a:latin typeface="Times New Roman"/>
               </a:rPr>
@@ -292,7 +292,7 @@
                 <a:spcPct val="100000"/>
               </a:lnSpc>
             </a:pPr>
-            <a:fld id="{996AA0CC-3C49-4E75-A5C2-15438528E66D}" type="slidenum">
+            <a:fld id="{879419EB-7E49-4504-8084-C5D2AA300ADA}" type="slidenum">
               <a:rPr lang="de-DE" sz="1200" strike="noStrike">
                 <a:solidFill>
                   <a:srgbClr val="000000"/>
@@ -381,7 +381,7 @@
                 <a:spcPct val="100000"/>
               </a:lnSpc>
             </a:pPr>
-            <a:fld id="{06F089C9-1504-4486-8DFD-C12A40D00326}" type="slidenum">
+            <a:fld id="{EF3D95B2-DD3C-44DA-A467-BF35F088226F}" type="slidenum">
               <a:rPr lang="de-DE" sz="1200" strike="noStrike">
                 <a:solidFill>
                   <a:srgbClr val="000000"/>
@@ -470,7 +470,7 @@
                 <a:spcPct val="100000"/>
               </a:lnSpc>
             </a:pPr>
-            <a:fld id="{3FE0F8F0-E008-45B6-8459-606E926ABFA9}" type="slidenum">
+            <a:fld id="{F89BEC07-CA82-4E08-B2E3-7DDBA284A761}" type="slidenum">
               <a:rPr lang="de-DE" sz="1200" strike="noStrike">
                 <a:solidFill>
                   <a:srgbClr val="000000"/>
@@ -559,7 +559,7 @@
                 <a:spcPct val="100000"/>
               </a:lnSpc>
             </a:pPr>
-            <a:fld id="{163C1685-24C8-4BBF-8A78-1BEDFA9B6AFB}" type="slidenum">
+            <a:fld id="{3A3CB820-292D-4781-BE21-C5CBC37DCE93}" type="slidenum">
               <a:rPr lang="de-DE" sz="1200" strike="noStrike">
                 <a:solidFill>
                   <a:srgbClr val="000000"/>
@@ -648,7 +648,7 @@
                 <a:spcPct val="100000"/>
               </a:lnSpc>
             </a:pPr>
-            <a:fld id="{E3C67161-09DC-4A1E-8520-CCE44F16E0EB}" type="slidenum">
+            <a:fld id="{2A8F9E71-D0BA-4BC8-BE06-38DF71F3EF27}" type="slidenum">
               <a:rPr lang="de-DE" sz="1200" strike="noStrike">
                 <a:solidFill>
                   <a:srgbClr val="000000"/>
@@ -737,7 +737,7 @@
                 <a:spcPct val="100000"/>
               </a:lnSpc>
             </a:pPr>
-            <a:fld id="{82D9EBC9-8250-4775-95DD-DB9C49E6F587}" type="slidenum">
+            <a:fld id="{B1A9C3DE-9F97-4555-B2F6-A7C10B40FFEA}" type="slidenum">
               <a:rPr lang="de-DE" sz="1200" strike="noStrike">
                 <a:solidFill>
                   <a:srgbClr val="000000"/>
@@ -4979,7 +4979,7 @@
               </a:rPr>
               <a:t>Folie </a:t>
             </a:r>
-            <a:fld id="{A3764A8C-F83E-457A-AF3D-886918CE297A}" type="slidenum">
+            <a:fld id="{F5E84D6B-F416-4707-84B2-930B6564BA64}" type="slidenum">
               <a:rPr lang="de-DE" sz="1200" strike="noStrike">
                 <a:solidFill>
                   <a:srgbClr val="888b96"/>
@@ -5485,7 +5485,7 @@
               </a:rPr>
               <a:t>Folie </a:t>
             </a:r>
-            <a:fld id="{6C075099-B237-4F83-B8FA-4724D330C255}" type="slidenum">
+            <a:fld id="{390713ED-41FF-421D-8ECD-556E43A25041}" type="slidenum">
               <a:rPr lang="de-DE" sz="1200" strike="noStrike">
                 <a:solidFill>
                   <a:srgbClr val="888b96"/>
@@ -6475,7 +6475,7 @@
               </a:rPr>
               <a:t>Folie </a:t>
             </a:r>
-            <a:fld id="{C21657C4-2F18-4539-9109-0127E26E6878}" type="slidenum">
+            <a:fld id="{79A30BC3-B88B-4421-8968-434A616FB0CC}" type="slidenum">
               <a:rPr lang="de-DE" sz="1200" strike="noStrike">
                 <a:solidFill>
                   <a:srgbClr val="888b96"/>
@@ -7216,7 +7216,7 @@
               </a:rPr>
               <a:t>Folie </a:t>
             </a:r>
-            <a:fld id="{5846A129-4917-437B-8C89-6B3AF712117C}" type="slidenum">
+            <a:fld id="{7C9C1C47-0D26-4D37-A2A0-7E579A21CA7B}" type="slidenum">
               <a:rPr lang="de-DE" sz="1200" strike="noStrike">
                 <a:solidFill>
                   <a:srgbClr val="888b96"/>
@@ -7927,7 +7927,7 @@
               </a:rPr>
               <a:t>Folie </a:t>
             </a:r>
-            <a:fld id="{738171C0-C70B-4144-B9F3-CCE78C15B8F6}" type="slidenum">
+            <a:fld id="{39C4847B-52D1-43DE-B7E5-DA4D1BBBE8AC}" type="slidenum">
               <a:rPr lang="de-DE" sz="1200" strike="noStrike">
                 <a:solidFill>
                   <a:srgbClr val="888b96"/>
@@ -8726,7 +8726,7 @@
               </a:rPr>
               <a:t>Folie </a:t>
             </a:r>
-            <a:fld id="{FF967AAF-17CC-4E24-A238-AE966F2A7990}" type="slidenum">
+            <a:fld id="{1F79A6F1-E8C6-4DA2-A602-FF924A7AC6DF}" type="slidenum">
               <a:rPr lang="de-DE" sz="1200" strike="noStrike">
                 <a:solidFill>
                   <a:srgbClr val="888b96"/>
@@ -9495,7 +9495,7 @@
               </a:rPr>
               <a:t>Folie </a:t>
             </a:r>
-            <a:fld id="{5712E74B-B816-4B7F-90F3-734B0E72F2FF}" type="slidenum">
+            <a:fld id="{86C37EEC-AE0F-41BC-85E2-0742B143E062}" type="slidenum">
               <a:rPr lang="de-DE" sz="1200" strike="noStrike">
                 <a:solidFill>
                   <a:srgbClr val="888b96"/>
@@ -10250,7 +10250,7 @@
               </a:rPr>
               <a:t>Folie </a:t>
             </a:r>
-            <a:fld id="{24D64D89-9480-4CB0-A86F-5C3D463A12C0}" type="slidenum">
+            <a:fld id="{7F4E4588-3D8A-4CBA-8F4D-39E2F16AD556}" type="slidenum">
               <a:rPr lang="de-DE" sz="1200" strike="noStrike">
                 <a:solidFill>
                   <a:srgbClr val="888b96"/>
@@ -10398,7 +10398,7 @@
                 <a:latin typeface="Verdana"/>
                 <a:ea typeface="Verdana"/>
               </a:rPr>
-              <a:t>Parsen der Byte-Arrays → Little Endian, Spezifikation</a:t>
+              <a:t>Parsen der Byte-Arrays</a:t>
             </a:r>
             <a:endParaRPr/>
           </a:p>
@@ -11009,7 +11009,7 @@
               </a:rPr>
               <a:t>Folie </a:t>
             </a:r>
-            <a:fld id="{43575C94-E310-4CF1-A326-7405C3506EFA}" type="slidenum">
+            <a:fld id="{1B55950B-8AC5-49F9-A274-206020F97245}" type="slidenum">
               <a:rPr lang="de-DE" sz="1200" strike="noStrike">
                 <a:solidFill>
                   <a:srgbClr val="888b96"/>
@@ -11708,7 +11708,7 @@
               </a:rPr>
               <a:t>Folie </a:t>
             </a:r>
-            <a:fld id="{F11350BE-DBAD-4445-A8F2-F5F72222DD5B}" type="slidenum">
+            <a:fld id="{1FA2398C-9C2A-43F2-BA12-3813705EF0B8}" type="slidenum">
               <a:rPr lang="de-DE" sz="1200" strike="noStrike">
                 <a:solidFill>
                   <a:srgbClr val="888b96"/>
@@ -12435,7 +12435,7 @@
               </a:rPr>
               <a:t>Folie </a:t>
             </a:r>
-            <a:fld id="{F5488605-E709-4548-881F-B1F676941AD6}" type="slidenum">
+            <a:fld id="{4C165349-DCBF-4FAA-BFF2-2BD2C0CFC370}" type="slidenum">
               <a:rPr lang="de-DE" sz="1200" strike="noStrike">
                 <a:solidFill>
                   <a:srgbClr val="888b96"/>
@@ -13236,7 +13236,7 @@
               </a:rPr>
               <a:t>Folie </a:t>
             </a:r>
-            <a:fld id="{72E77FCE-8D5D-485E-87B7-5E841E00BC59}" type="slidenum">
+            <a:fld id="{060504F7-F6A6-42E5-90E2-4244F50DF2C6}" type="slidenum">
               <a:rPr lang="de-DE" sz="1200" strike="noStrike">
                 <a:solidFill>
                   <a:srgbClr val="888b96"/>
@@ -13646,7 +13646,7 @@
               </a:rPr>
               <a:t>Folie </a:t>
             </a:r>
-            <a:fld id="{FAECF44A-AA7E-496F-9C9B-CC01302DE2A7}" type="slidenum">
+            <a:fld id="{333B81DE-D7E6-4D51-926B-91EC4A6C5D3F}" type="slidenum">
               <a:rPr lang="de-DE" sz="1200" strike="noStrike">
                 <a:solidFill>
                   <a:srgbClr val="888b96"/>
@@ -13897,7 +13897,7 @@
               </a:rPr>
               <a:t>Folie </a:t>
             </a:r>
-            <a:fld id="{C1C9F540-AF7B-4FE4-9D24-B269F1EA1102}" type="slidenum">
+            <a:fld id="{932BDCAE-BF08-42BD-9FF2-C11D819CD192}" type="slidenum">
               <a:rPr lang="de-DE" sz="1200" strike="noStrike">
                 <a:solidFill>
                   <a:srgbClr val="888b96"/>
@@ -14172,7 +14172,7 @@
               </a:rPr>
               <a:t>Folie </a:t>
             </a:r>
-            <a:fld id="{F7678002-7DED-4876-AC0E-C685A652B403}" type="slidenum">
+            <a:fld id="{A41E1C5C-91E6-4A9F-9011-0630A2ECE249}" type="slidenum">
               <a:rPr lang="de-DE" sz="1200" strike="noStrike">
                 <a:solidFill>
                   <a:srgbClr val="888b96"/>
@@ -15009,7 +15009,7 @@
               </a:rPr>
               <a:t>Folie </a:t>
             </a:r>
-            <a:fld id="{A72D8A24-AD2F-4317-82BA-FBD06A27BB57}" type="slidenum">
+            <a:fld id="{E274702D-A280-4A81-9EF8-10624CD614B5}" type="slidenum">
               <a:rPr lang="de-DE" sz="1200" strike="noStrike">
                 <a:solidFill>
                   <a:srgbClr val="888b96"/>
@@ -15742,7 +15742,7 @@
               </a:rPr>
               <a:t>Folie </a:t>
             </a:r>
-            <a:fld id="{AD097767-BB64-4D6D-BE3D-5A72830AD420}" type="slidenum">
+            <a:fld id="{AD28F86E-C6CF-4E18-8BB8-B474146DE098}" type="slidenum">
               <a:rPr lang="de-DE" sz="1200" strike="noStrike">
                 <a:solidFill>
                   <a:srgbClr val="888b96"/>
@@ -16418,7 +16418,7 @@
               </a:rPr>
               <a:t>Folie </a:t>
             </a:r>
-            <a:fld id="{8D2DEE73-885E-4363-AD00-B0D18A7A4B7E}" type="slidenum">
+            <a:fld id="{3F5D724D-92CC-4AD3-B65E-5FA14BFE68D0}" type="slidenum">
               <a:rPr lang="de-DE" sz="1200" strike="noStrike">
                 <a:solidFill>
                   <a:srgbClr val="888b96"/>
@@ -17189,7 +17189,7 @@
               </a:rPr>
               <a:t>Folie </a:t>
             </a:r>
-            <a:fld id="{3D187606-8246-48FC-B869-92ECEDAEB4DF}" type="slidenum">
+            <a:fld id="{6720B2B8-2178-437B-907D-C53938DFA47F}" type="slidenum">
               <a:rPr lang="de-DE" sz="1200" strike="noStrike">
                 <a:solidFill>
                   <a:srgbClr val="888b96"/>
@@ -17940,7 +17940,7 @@
               </a:rPr>
               <a:t>Folie </a:t>
             </a:r>
-            <a:fld id="{7E62DCB2-7DCA-4B52-83C2-01F7A2AF5E72}" type="slidenum">
+            <a:fld id="{963A4345-EF14-44D5-B60A-77DBD6CD5C16}" type="slidenum">
               <a:rPr lang="de-DE" sz="1200" strike="noStrike">
                 <a:solidFill>
                   <a:srgbClr val="888b96"/>
@@ -18631,7 +18631,7 @@
               </a:rPr>
               <a:t>Folie </a:t>
             </a:r>
-            <a:fld id="{70963667-95EB-49CC-B5DD-CEEFE90CC7C0}" type="slidenum">
+            <a:fld id="{09FC5B7D-46D1-4725-992F-243494A39830}" type="slidenum">
               <a:rPr lang="de-DE" sz="1200" strike="noStrike">
                 <a:solidFill>
                   <a:srgbClr val="888b96"/>
@@ -19344,7 +19344,7 @@
               </a:rPr>
               <a:t>Folie </a:t>
             </a:r>
-            <a:fld id="{DAC530B6-5EE8-459F-8264-D4541CF64649}" type="slidenum">
+            <a:fld id="{C130BDCD-BD0A-4E5E-8F63-44A8C1A1B564}" type="slidenum">
               <a:rPr lang="de-DE" sz="1200" strike="noStrike">
                 <a:solidFill>
                   <a:srgbClr val="888b96"/>
